--- a/week 2/Slides/02-3 EMAT10007_Control_Flow.pptx
+++ b/week 2/Slides/02-3 EMAT10007_Control_Flow.pptx
@@ -5,25 +5,28 @@
     <p:sldMasterId id="2147483648" r:id="rId1"/>
   </p:sldMasterIdLst>
   <p:notesMasterIdLst>
-    <p:notesMasterId r:id="rId18"/>
+    <p:notesMasterId r:id="rId21"/>
   </p:notesMasterIdLst>
   <p:sldIdLst>
     <p:sldId id="268" r:id="rId2"/>
-    <p:sldId id="257" r:id="rId3"/>
-    <p:sldId id="258" r:id="rId4"/>
-    <p:sldId id="259" r:id="rId5"/>
-    <p:sldId id="260" r:id="rId6"/>
-    <p:sldId id="276" r:id="rId7"/>
-    <p:sldId id="262" r:id="rId8"/>
-    <p:sldId id="270" r:id="rId9"/>
-    <p:sldId id="271" r:id="rId10"/>
-    <p:sldId id="272" r:id="rId11"/>
-    <p:sldId id="273" r:id="rId12"/>
-    <p:sldId id="274" r:id="rId13"/>
-    <p:sldId id="275" r:id="rId14"/>
-    <p:sldId id="277" r:id="rId15"/>
-    <p:sldId id="278" r:id="rId16"/>
-    <p:sldId id="269" r:id="rId17"/>
+    <p:sldId id="279" r:id="rId3"/>
+    <p:sldId id="257" r:id="rId4"/>
+    <p:sldId id="258" r:id="rId5"/>
+    <p:sldId id="259" r:id="rId6"/>
+    <p:sldId id="260" r:id="rId7"/>
+    <p:sldId id="281" r:id="rId8"/>
+    <p:sldId id="276" r:id="rId9"/>
+    <p:sldId id="262" r:id="rId10"/>
+    <p:sldId id="280" r:id="rId11"/>
+    <p:sldId id="270" r:id="rId12"/>
+    <p:sldId id="271" r:id="rId13"/>
+    <p:sldId id="272" r:id="rId14"/>
+    <p:sldId id="273" r:id="rId15"/>
+    <p:sldId id="274" r:id="rId16"/>
+    <p:sldId id="275" r:id="rId17"/>
+    <p:sldId id="277" r:id="rId18"/>
+    <p:sldId id="278" r:id="rId19"/>
+    <p:sldId id="269" r:id="rId20"/>
   </p:sldIdLst>
   <p:sldSz cx="12192000" cy="6858000"/>
   <p:notesSz cx="6858000" cy="9144000"/>
@@ -212,7 +215,7 @@
           <a:p>
             <a:fld id="{F17256E2-5B6F-694E-BD40-997600D513F6}" type="datetimeFigureOut">
               <a:rPr lang="en-US" smtClean="0"/>
-              <a:t>9/16/20</a:t>
+              <a:t>1/5/21</a:t>
             </a:fld>
             <a:endParaRPr lang="en-US"/>
           </a:p>
@@ -276,38 +279,37 @@
           <a:p>
             <a:pPr lvl="0"/>
             <a:r>
-              <a:rPr lang="en-US" smtClean="0"/>
+              <a:rPr lang="en-US"/>
               <a:t>Click to edit Master text styles</a:t>
             </a:r>
           </a:p>
           <a:p>
             <a:pPr lvl="1"/>
             <a:r>
-              <a:rPr lang="en-US" smtClean="0"/>
+              <a:rPr lang="en-US"/>
               <a:t>Second level</a:t>
             </a:r>
           </a:p>
           <a:p>
             <a:pPr lvl="2"/>
             <a:r>
-              <a:rPr lang="en-US" smtClean="0"/>
+              <a:rPr lang="en-US"/>
               <a:t>Third level</a:t>
             </a:r>
           </a:p>
           <a:p>
             <a:pPr lvl="3"/>
             <a:r>
-              <a:rPr lang="en-US" smtClean="0"/>
+              <a:rPr lang="en-US"/>
               <a:t>Fourth level</a:t>
             </a:r>
           </a:p>
           <a:p>
             <a:pPr lvl="4"/>
             <a:r>
-              <a:rPr lang="en-US" smtClean="0"/>
+              <a:rPr lang="en-US"/>
               <a:t>Fifth level</a:t>
             </a:r>
-            <a:endParaRPr lang="en-US"/>
           </a:p>
         </p:txBody>
       </p:sp>
@@ -522,10 +524,9 @@
           </a:lstStyle>
           <a:p>
             <a:r>
-              <a:rPr lang="en-US" smtClean="0"/>
+              <a:rPr lang="en-US"/>
               <a:t>Click to edit Master title style</a:t>
             </a:r>
-            <a:endParaRPr lang="en-US"/>
           </a:p>
         </p:txBody>
       </p:sp>
@@ -587,10 +588,9 @@
           </a:lstStyle>
           <a:p>
             <a:r>
-              <a:rPr lang="en-US" smtClean="0"/>
+              <a:rPr lang="en-US"/>
               <a:t>Click to edit Master subtitle style</a:t>
             </a:r>
-            <a:endParaRPr lang="en-US"/>
           </a:p>
         </p:txBody>
       </p:sp>
@@ -611,7 +611,7 @@
           <a:p>
             <a:fld id="{81A16597-23F6-ED45-BDA4-28ECBC6A029E}" type="datetimeFigureOut">
               <a:rPr lang="en-US" smtClean="0"/>
-              <a:t>9/16/20</a:t>
+              <a:t>1/5/21</a:t>
             </a:fld>
             <a:endParaRPr lang="en-US"/>
           </a:p>
@@ -705,10 +705,9 @@
           <a:lstStyle/>
           <a:p>
             <a:r>
-              <a:rPr lang="en-US" smtClean="0"/>
+              <a:rPr lang="en-US"/>
               <a:t>Click to edit Master title style</a:t>
             </a:r>
-            <a:endParaRPr lang="en-US"/>
           </a:p>
         </p:txBody>
       </p:sp>
@@ -729,38 +728,37 @@
           <a:p>
             <a:pPr lvl="0"/>
             <a:r>
-              <a:rPr lang="en-US" smtClean="0"/>
+              <a:rPr lang="en-US"/>
               <a:t>Click to edit Master text styles</a:t>
             </a:r>
           </a:p>
           <a:p>
             <a:pPr lvl="1"/>
             <a:r>
-              <a:rPr lang="en-US" smtClean="0"/>
+              <a:rPr lang="en-US"/>
               <a:t>Second level</a:t>
             </a:r>
           </a:p>
           <a:p>
             <a:pPr lvl="2"/>
             <a:r>
-              <a:rPr lang="en-US" smtClean="0"/>
+              <a:rPr lang="en-US"/>
               <a:t>Third level</a:t>
             </a:r>
           </a:p>
           <a:p>
             <a:pPr lvl="3"/>
             <a:r>
-              <a:rPr lang="en-US" smtClean="0"/>
+              <a:rPr lang="en-US"/>
               <a:t>Fourth level</a:t>
             </a:r>
           </a:p>
           <a:p>
             <a:pPr lvl="4"/>
             <a:r>
-              <a:rPr lang="en-US" smtClean="0"/>
+              <a:rPr lang="en-US"/>
               <a:t>Fifth level</a:t>
             </a:r>
-            <a:endParaRPr lang="en-US"/>
           </a:p>
         </p:txBody>
       </p:sp>
@@ -781,7 +779,7 @@
           <a:p>
             <a:fld id="{81A16597-23F6-ED45-BDA4-28ECBC6A029E}" type="datetimeFigureOut">
               <a:rPr lang="en-US" smtClean="0"/>
-              <a:t>9/16/20</a:t>
+              <a:t>1/5/21</a:t>
             </a:fld>
             <a:endParaRPr lang="en-US"/>
           </a:p>
@@ -880,10 +878,9 @@
           <a:lstStyle/>
           <a:p>
             <a:r>
-              <a:rPr lang="en-US" smtClean="0"/>
+              <a:rPr lang="en-US"/>
               <a:t>Click to edit Master title style</a:t>
             </a:r>
-            <a:endParaRPr lang="en-US"/>
           </a:p>
         </p:txBody>
       </p:sp>
@@ -909,38 +906,37 @@
           <a:p>
             <a:pPr lvl="0"/>
             <a:r>
-              <a:rPr lang="en-US" smtClean="0"/>
+              <a:rPr lang="en-US"/>
               <a:t>Click to edit Master text styles</a:t>
             </a:r>
           </a:p>
           <a:p>
             <a:pPr lvl="1"/>
             <a:r>
-              <a:rPr lang="en-US" smtClean="0"/>
+              <a:rPr lang="en-US"/>
               <a:t>Second level</a:t>
             </a:r>
           </a:p>
           <a:p>
             <a:pPr lvl="2"/>
             <a:r>
-              <a:rPr lang="en-US" smtClean="0"/>
+              <a:rPr lang="en-US"/>
               <a:t>Third level</a:t>
             </a:r>
           </a:p>
           <a:p>
             <a:pPr lvl="3"/>
             <a:r>
-              <a:rPr lang="en-US" smtClean="0"/>
+              <a:rPr lang="en-US"/>
               <a:t>Fourth level</a:t>
             </a:r>
           </a:p>
           <a:p>
             <a:pPr lvl="4"/>
             <a:r>
-              <a:rPr lang="en-US" smtClean="0"/>
+              <a:rPr lang="en-US"/>
               <a:t>Fifth level</a:t>
             </a:r>
-            <a:endParaRPr lang="en-US"/>
           </a:p>
         </p:txBody>
       </p:sp>
@@ -961,7 +957,7 @@
           <a:p>
             <a:fld id="{81A16597-23F6-ED45-BDA4-28ECBC6A029E}" type="datetimeFigureOut">
               <a:rPr lang="en-US" smtClean="0"/>
-              <a:t>9/16/20</a:t>
+              <a:t>1/5/21</a:t>
             </a:fld>
             <a:endParaRPr lang="en-US"/>
           </a:p>
@@ -1250,10 +1246,9 @@
           <a:lstStyle/>
           <a:p>
             <a:r>
-              <a:rPr lang="en-US" smtClean="0"/>
+              <a:rPr lang="en-US"/>
               <a:t>Click to edit Master title style</a:t>
             </a:r>
-            <a:endParaRPr lang="en-US"/>
           </a:p>
         </p:txBody>
       </p:sp>
@@ -1274,38 +1269,37 @@
           <a:p>
             <a:pPr lvl="0"/>
             <a:r>
-              <a:rPr lang="en-US" smtClean="0"/>
+              <a:rPr lang="en-US"/>
               <a:t>Click to edit Master text styles</a:t>
             </a:r>
           </a:p>
           <a:p>
             <a:pPr lvl="1"/>
             <a:r>
-              <a:rPr lang="en-US" smtClean="0"/>
+              <a:rPr lang="en-US"/>
               <a:t>Second level</a:t>
             </a:r>
           </a:p>
           <a:p>
             <a:pPr lvl="2"/>
             <a:r>
-              <a:rPr lang="en-US" smtClean="0"/>
+              <a:rPr lang="en-US"/>
               <a:t>Third level</a:t>
             </a:r>
           </a:p>
           <a:p>
             <a:pPr lvl="3"/>
             <a:r>
-              <a:rPr lang="en-US" smtClean="0"/>
+              <a:rPr lang="en-US"/>
               <a:t>Fourth level</a:t>
             </a:r>
           </a:p>
           <a:p>
             <a:pPr lvl="4"/>
             <a:r>
-              <a:rPr lang="en-US" smtClean="0"/>
+              <a:rPr lang="en-US"/>
               <a:t>Fifth level</a:t>
             </a:r>
-            <a:endParaRPr lang="en-US"/>
           </a:p>
         </p:txBody>
       </p:sp>
@@ -1326,7 +1320,7 @@
           <a:p>
             <a:fld id="{81A16597-23F6-ED45-BDA4-28ECBC6A029E}" type="datetimeFigureOut">
               <a:rPr lang="en-US" smtClean="0"/>
-              <a:t>9/16/20</a:t>
+              <a:t>1/5/21</a:t>
             </a:fld>
             <a:endParaRPr lang="en-US"/>
           </a:p>
@@ -1429,10 +1423,9 @@
           </a:lstStyle>
           <a:p>
             <a:r>
-              <a:rPr lang="en-US" smtClean="0"/>
+              <a:rPr lang="en-US"/>
               <a:t>Click to edit Master title style</a:t>
             </a:r>
-            <a:endParaRPr lang="en-US"/>
           </a:p>
         </p:txBody>
       </p:sp>
@@ -1549,7 +1542,7 @@
           <a:p>
             <a:pPr lvl="0"/>
             <a:r>
-              <a:rPr lang="en-US" smtClean="0"/>
+              <a:rPr lang="en-US"/>
               <a:t>Click to edit Master text styles</a:t>
             </a:r>
           </a:p>
@@ -1572,7 +1565,7 @@
           <a:p>
             <a:fld id="{81A16597-23F6-ED45-BDA4-28ECBC6A029E}" type="datetimeFigureOut">
               <a:rPr lang="en-US" smtClean="0"/>
-              <a:t>9/16/20</a:t>
+              <a:t>1/5/21</a:t>
             </a:fld>
             <a:endParaRPr lang="en-US"/>
           </a:p>
@@ -1666,10 +1659,9 @@
           <a:lstStyle/>
           <a:p>
             <a:r>
-              <a:rPr lang="en-US" smtClean="0"/>
+              <a:rPr lang="en-US"/>
               <a:t>Click to edit Master title style</a:t>
             </a:r>
-            <a:endParaRPr lang="en-US"/>
           </a:p>
         </p:txBody>
       </p:sp>
@@ -1695,38 +1687,37 @@
           <a:p>
             <a:pPr lvl="0"/>
             <a:r>
-              <a:rPr lang="en-US" smtClean="0"/>
+              <a:rPr lang="en-US"/>
               <a:t>Click to edit Master text styles</a:t>
             </a:r>
           </a:p>
           <a:p>
             <a:pPr lvl="1"/>
             <a:r>
-              <a:rPr lang="en-US" smtClean="0"/>
+              <a:rPr lang="en-US"/>
               <a:t>Second level</a:t>
             </a:r>
           </a:p>
           <a:p>
             <a:pPr lvl="2"/>
             <a:r>
-              <a:rPr lang="en-US" smtClean="0"/>
+              <a:rPr lang="en-US"/>
               <a:t>Third level</a:t>
             </a:r>
           </a:p>
           <a:p>
             <a:pPr lvl="3"/>
             <a:r>
-              <a:rPr lang="en-US" smtClean="0"/>
+              <a:rPr lang="en-US"/>
               <a:t>Fourth level</a:t>
             </a:r>
           </a:p>
           <a:p>
             <a:pPr lvl="4"/>
             <a:r>
-              <a:rPr lang="en-US" smtClean="0"/>
+              <a:rPr lang="en-US"/>
               <a:t>Fifth level</a:t>
             </a:r>
-            <a:endParaRPr lang="en-US"/>
           </a:p>
         </p:txBody>
       </p:sp>
@@ -1752,38 +1743,37 @@
           <a:p>
             <a:pPr lvl="0"/>
             <a:r>
-              <a:rPr lang="en-US" smtClean="0"/>
+              <a:rPr lang="en-US"/>
               <a:t>Click to edit Master text styles</a:t>
             </a:r>
           </a:p>
           <a:p>
             <a:pPr lvl="1"/>
             <a:r>
-              <a:rPr lang="en-US" smtClean="0"/>
+              <a:rPr lang="en-US"/>
               <a:t>Second level</a:t>
             </a:r>
           </a:p>
           <a:p>
             <a:pPr lvl="2"/>
             <a:r>
-              <a:rPr lang="en-US" smtClean="0"/>
+              <a:rPr lang="en-US"/>
               <a:t>Third level</a:t>
             </a:r>
           </a:p>
           <a:p>
             <a:pPr lvl="3"/>
             <a:r>
-              <a:rPr lang="en-US" smtClean="0"/>
+              <a:rPr lang="en-US"/>
               <a:t>Fourth level</a:t>
             </a:r>
           </a:p>
           <a:p>
             <a:pPr lvl="4"/>
             <a:r>
-              <a:rPr lang="en-US" smtClean="0"/>
+              <a:rPr lang="en-US"/>
               <a:t>Fifth level</a:t>
             </a:r>
-            <a:endParaRPr lang="en-US"/>
           </a:p>
         </p:txBody>
       </p:sp>
@@ -1804,7 +1794,7 @@
           <a:p>
             <a:fld id="{81A16597-23F6-ED45-BDA4-28ECBC6A029E}" type="datetimeFigureOut">
               <a:rPr lang="en-US" smtClean="0"/>
-              <a:t>9/16/20</a:t>
+              <a:t>1/5/21</a:t>
             </a:fld>
             <a:endParaRPr lang="en-US"/>
           </a:p>
@@ -1903,10 +1893,9 @@
           <a:lstStyle/>
           <a:p>
             <a:r>
-              <a:rPr lang="en-US" smtClean="0"/>
+              <a:rPr lang="en-US"/>
               <a:t>Click to edit Master title style</a:t>
             </a:r>
-            <a:endParaRPr lang="en-US"/>
           </a:p>
         </p:txBody>
       </p:sp>
@@ -1969,7 +1958,7 @@
           <a:p>
             <a:pPr lvl="0"/>
             <a:r>
-              <a:rPr lang="en-US" smtClean="0"/>
+              <a:rPr lang="en-US"/>
               <a:t>Click to edit Master text styles</a:t>
             </a:r>
           </a:p>
@@ -1997,38 +1986,37 @@
           <a:p>
             <a:pPr lvl="0"/>
             <a:r>
-              <a:rPr lang="en-US" smtClean="0"/>
+              <a:rPr lang="en-US"/>
               <a:t>Click to edit Master text styles</a:t>
             </a:r>
           </a:p>
           <a:p>
             <a:pPr lvl="1"/>
             <a:r>
-              <a:rPr lang="en-US" smtClean="0"/>
+              <a:rPr lang="en-US"/>
               <a:t>Second level</a:t>
             </a:r>
           </a:p>
           <a:p>
             <a:pPr lvl="2"/>
             <a:r>
-              <a:rPr lang="en-US" smtClean="0"/>
+              <a:rPr lang="en-US"/>
               <a:t>Third level</a:t>
             </a:r>
           </a:p>
           <a:p>
             <a:pPr lvl="3"/>
             <a:r>
-              <a:rPr lang="en-US" smtClean="0"/>
+              <a:rPr lang="en-US"/>
               <a:t>Fourth level</a:t>
             </a:r>
           </a:p>
           <a:p>
             <a:pPr lvl="4"/>
             <a:r>
-              <a:rPr lang="en-US" smtClean="0"/>
+              <a:rPr lang="en-US"/>
               <a:t>Fifth level</a:t>
             </a:r>
-            <a:endParaRPr lang="en-US"/>
           </a:p>
         </p:txBody>
       </p:sp>
@@ -2091,7 +2079,7 @@
           <a:p>
             <a:pPr lvl="0"/>
             <a:r>
-              <a:rPr lang="en-US" smtClean="0"/>
+              <a:rPr lang="en-US"/>
               <a:t>Click to edit Master text styles</a:t>
             </a:r>
           </a:p>
@@ -2119,38 +2107,37 @@
           <a:p>
             <a:pPr lvl="0"/>
             <a:r>
-              <a:rPr lang="en-US" smtClean="0"/>
+              <a:rPr lang="en-US"/>
               <a:t>Click to edit Master text styles</a:t>
             </a:r>
           </a:p>
           <a:p>
             <a:pPr lvl="1"/>
             <a:r>
-              <a:rPr lang="en-US" smtClean="0"/>
+              <a:rPr lang="en-US"/>
               <a:t>Second level</a:t>
             </a:r>
           </a:p>
           <a:p>
             <a:pPr lvl="2"/>
             <a:r>
-              <a:rPr lang="en-US" smtClean="0"/>
+              <a:rPr lang="en-US"/>
               <a:t>Third level</a:t>
             </a:r>
           </a:p>
           <a:p>
             <a:pPr lvl="3"/>
             <a:r>
-              <a:rPr lang="en-US" smtClean="0"/>
+              <a:rPr lang="en-US"/>
               <a:t>Fourth level</a:t>
             </a:r>
           </a:p>
           <a:p>
             <a:pPr lvl="4"/>
             <a:r>
-              <a:rPr lang="en-US" smtClean="0"/>
+              <a:rPr lang="en-US"/>
               <a:t>Fifth level</a:t>
             </a:r>
-            <a:endParaRPr lang="en-US"/>
           </a:p>
         </p:txBody>
       </p:sp>
@@ -2171,7 +2158,7 @@
           <a:p>
             <a:fld id="{81A16597-23F6-ED45-BDA4-28ECBC6A029E}" type="datetimeFigureOut">
               <a:rPr lang="en-US" smtClean="0"/>
-              <a:t>9/16/20</a:t>
+              <a:t>1/5/21</a:t>
             </a:fld>
             <a:endParaRPr lang="en-US"/>
           </a:p>
@@ -2265,10 +2252,9 @@
           <a:lstStyle/>
           <a:p>
             <a:r>
-              <a:rPr lang="en-US" smtClean="0"/>
+              <a:rPr lang="en-US"/>
               <a:t>Click to edit Master title style</a:t>
             </a:r>
-            <a:endParaRPr lang="en-US"/>
           </a:p>
         </p:txBody>
       </p:sp>
@@ -2289,7 +2275,7 @@
           <a:p>
             <a:fld id="{81A16597-23F6-ED45-BDA4-28ECBC6A029E}" type="datetimeFigureOut">
               <a:rPr lang="en-US" smtClean="0"/>
-              <a:t>9/16/20</a:t>
+              <a:t>1/5/21</a:t>
             </a:fld>
             <a:endParaRPr lang="en-US"/>
           </a:p>
@@ -2384,7 +2370,7 @@
           <a:p>
             <a:fld id="{81A16597-23F6-ED45-BDA4-28ECBC6A029E}" type="datetimeFigureOut">
               <a:rPr lang="en-US" smtClean="0"/>
-              <a:t>9/16/20</a:t>
+              <a:t>1/5/21</a:t>
             </a:fld>
             <a:endParaRPr lang="en-US"/>
           </a:p>
@@ -2487,10 +2473,9 @@
           </a:lstStyle>
           <a:p>
             <a:r>
-              <a:rPr lang="en-US" smtClean="0"/>
+              <a:rPr lang="en-US"/>
               <a:t>Click to edit Master title style</a:t>
             </a:r>
-            <a:endParaRPr lang="en-US"/>
           </a:p>
         </p:txBody>
       </p:sp>
@@ -2544,38 +2529,37 @@
           <a:p>
             <a:pPr lvl="0"/>
             <a:r>
-              <a:rPr lang="en-US" smtClean="0"/>
+              <a:rPr lang="en-US"/>
               <a:t>Click to edit Master text styles</a:t>
             </a:r>
           </a:p>
           <a:p>
             <a:pPr lvl="1"/>
             <a:r>
-              <a:rPr lang="en-US" smtClean="0"/>
+              <a:rPr lang="en-US"/>
               <a:t>Second level</a:t>
             </a:r>
           </a:p>
           <a:p>
             <a:pPr lvl="2"/>
             <a:r>
-              <a:rPr lang="en-US" smtClean="0"/>
+              <a:rPr lang="en-US"/>
               <a:t>Third level</a:t>
             </a:r>
           </a:p>
           <a:p>
             <a:pPr lvl="3"/>
             <a:r>
-              <a:rPr lang="en-US" smtClean="0"/>
+              <a:rPr lang="en-US"/>
               <a:t>Fourth level</a:t>
             </a:r>
           </a:p>
           <a:p>
             <a:pPr lvl="4"/>
             <a:r>
-              <a:rPr lang="en-US" smtClean="0"/>
+              <a:rPr lang="en-US"/>
               <a:t>Fifth level</a:t>
             </a:r>
-            <a:endParaRPr lang="en-US"/>
           </a:p>
         </p:txBody>
       </p:sp>
@@ -2638,7 +2622,7 @@
           <a:p>
             <a:pPr lvl="0"/>
             <a:r>
-              <a:rPr lang="en-US" smtClean="0"/>
+              <a:rPr lang="en-US"/>
               <a:t>Click to edit Master text styles</a:t>
             </a:r>
           </a:p>
@@ -2661,7 +2645,7 @@
           <a:p>
             <a:fld id="{81A16597-23F6-ED45-BDA4-28ECBC6A029E}" type="datetimeFigureOut">
               <a:rPr lang="en-US" smtClean="0"/>
-              <a:t>9/16/20</a:t>
+              <a:t>1/5/21</a:t>
             </a:fld>
             <a:endParaRPr lang="en-US"/>
           </a:p>
@@ -2764,10 +2748,9 @@
           </a:lstStyle>
           <a:p>
             <a:r>
-              <a:rPr lang="en-US" smtClean="0"/>
+              <a:rPr lang="en-US"/>
               <a:t>Click to edit Master title style</a:t>
             </a:r>
-            <a:endParaRPr lang="en-US"/>
           </a:p>
         </p:txBody>
       </p:sp>
@@ -2891,7 +2874,7 @@
           <a:p>
             <a:pPr lvl="0"/>
             <a:r>
-              <a:rPr lang="en-US" smtClean="0"/>
+              <a:rPr lang="en-US"/>
               <a:t>Click to edit Master text styles</a:t>
             </a:r>
           </a:p>
@@ -2914,7 +2897,7 @@
           <a:p>
             <a:fld id="{81A16597-23F6-ED45-BDA4-28ECBC6A029E}" type="datetimeFigureOut">
               <a:rPr lang="en-US" smtClean="0"/>
-              <a:t>9/16/20</a:t>
+              <a:t>1/5/21</a:t>
             </a:fld>
             <a:endParaRPr lang="en-US"/>
           </a:p>
@@ -3023,10 +3006,9 @@
           <a:lstStyle/>
           <a:p>
             <a:r>
-              <a:rPr lang="en-US" smtClean="0"/>
+              <a:rPr lang="en-US"/>
               <a:t>Click to edit Master title style</a:t>
             </a:r>
-            <a:endParaRPr lang="en-US"/>
           </a:p>
         </p:txBody>
       </p:sp>
@@ -3057,38 +3039,37 @@
           <a:p>
             <a:pPr lvl="0"/>
             <a:r>
-              <a:rPr lang="en-US" smtClean="0"/>
+              <a:rPr lang="en-US"/>
               <a:t>Click to edit Master text styles</a:t>
             </a:r>
           </a:p>
           <a:p>
             <a:pPr lvl="1"/>
             <a:r>
-              <a:rPr lang="en-US" smtClean="0"/>
+              <a:rPr lang="en-US"/>
               <a:t>Second level</a:t>
             </a:r>
           </a:p>
           <a:p>
             <a:pPr lvl="2"/>
             <a:r>
-              <a:rPr lang="en-US" smtClean="0"/>
+              <a:rPr lang="en-US"/>
               <a:t>Third level</a:t>
             </a:r>
           </a:p>
           <a:p>
             <a:pPr lvl="3"/>
             <a:r>
-              <a:rPr lang="en-US" smtClean="0"/>
+              <a:rPr lang="en-US"/>
               <a:t>Fourth level</a:t>
             </a:r>
           </a:p>
           <a:p>
             <a:pPr lvl="4"/>
             <a:r>
-              <a:rPr lang="en-US" smtClean="0"/>
+              <a:rPr lang="en-US"/>
               <a:t>Fifth level</a:t>
             </a:r>
-            <a:endParaRPr lang="en-US"/>
           </a:p>
         </p:txBody>
       </p:sp>
@@ -3127,7 +3108,7 @@
           <a:p>
             <a:fld id="{81A16597-23F6-ED45-BDA4-28ECBC6A029E}" type="datetimeFigureOut">
               <a:rPr lang="en-US" smtClean="0"/>
-              <a:t>9/16/20</a:t>
+              <a:t>1/5/21</a:t>
             </a:fld>
             <a:endParaRPr lang="en-US"/>
           </a:p>
@@ -3563,21 +3544,16 @@
             </a:pPr>
             <a:r>
               <a:rPr dirty="0"/>
-              <a:t>Introduction to Computer Programming Lecture </a:t>
-            </a:r>
-            <a:r>
-              <a:rPr dirty="0" smtClean="0"/>
-              <a:t>2</a:t>
-            </a:r>
-            <a:r>
-              <a:rPr lang="en-GB" dirty="0" smtClean="0"/>
+              <a:t>Introduction to Computer Programming Lecture 2</a:t>
+            </a:r>
+            <a:r>
+              <a:rPr lang="en-GB" dirty="0"/>
               <a:t>.3</a:t>
             </a:r>
             <a:r>
-              <a:rPr dirty="0" smtClean="0"/>
+              <a:rPr dirty="0"/>
               <a:t>:</a:t>
             </a:r>
-            <a:endParaRPr dirty="0"/>
           </a:p>
           <a:p>
             <a:pPr defTabSz="213590">
@@ -3598,7 +3574,7 @@
               </a:defRPr>
             </a:pPr>
             <a:r>
-              <a:rPr lang="en-GB" dirty="0" smtClean="0"/>
+              <a:rPr lang="en-GB" dirty="0"/>
               <a:t>Control Flow</a:t>
             </a:r>
             <a:endParaRPr dirty="0"/>
@@ -3624,7 +3600,7 @@
           </a:ln>
           <a:extLst>
             <a:ext uri="{C572A759-6A51-4108-AA02-DFA0A04FC94B}">
-              <ma14:wrappingTextBoxFlag xmlns:ma14="http://schemas.microsoft.com/office/mac/drawingml/2011/main" val="1"/>
+              <ma14:wrappingTextBoxFlag xmlns:ma14="http://schemas.microsoft.com/office/mac/drawingml/2011/main" xmlns="" val="1"/>
             </a:ext>
           </a:extLst>
         </p:spPr>
@@ -3669,7 +3645,7 @@
           </a:ln>
           <a:extLst>
             <a:ext uri="{C572A759-6A51-4108-AA02-DFA0A04FC94B}">
-              <ma14:wrappingTextBoxFlag xmlns:ma14="http://schemas.microsoft.com/office/mac/drawingml/2011/main" val="1"/>
+              <ma14:wrappingTextBoxFlag xmlns:ma14="http://schemas.microsoft.com/office/mac/drawingml/2011/main" xmlns="" val="1"/>
             </a:ext>
           </a:extLst>
         </p:spPr>
@@ -3706,18 +3682,198 @@
   <p:clrMapOvr>
     <a:masterClrMapping/>
   </p:clrMapOvr>
-  <mc:AlternateContent xmlns:mc="http://schemas.openxmlformats.org/markup-compatibility/2006" xmlns:p14="http://schemas.microsoft.com/office/powerpoint/2010/main">
-    <mc:Choice Requires="p14">
-      <p:transition spd="slow" p14:dur="2000"/>
-    </mc:Choice>
-    <mc:Fallback xmlns="">
-      <p:transition spd="slow"/>
-    </mc:Fallback>
-  </mc:AlternateContent>
 </p:sld>
 </file>
 
 <file path=ppt/slides/slide10.xml><?xml version="1.0" encoding="utf-8"?>
+<p:sld xmlns:a="http://schemas.openxmlformats.org/drawingml/2006/main" xmlns:r="http://schemas.openxmlformats.org/officeDocument/2006/relationships" xmlns:p="http://schemas.openxmlformats.org/presentationml/2006/main">
+  <p:cSld>
+    <p:spTree>
+      <p:nvGrpSpPr>
+        <p:cNvPr id="1" name=""/>
+        <p:cNvGrpSpPr/>
+        <p:nvPr/>
+      </p:nvGrpSpPr>
+      <p:grpSpPr>
+        <a:xfrm>
+          <a:off x="0" y="0"/>
+          <a:ext cx="0" cy="0"/>
+          <a:chOff x="0" y="0"/>
+          <a:chExt cx="0" cy="0"/>
+        </a:xfrm>
+      </p:grpSpPr>
+      <p:sp>
+        <p:nvSpPr>
+          <p:cNvPr id="119" name="Introduction to Computer Programming Lecture 2:…"/>
+          <p:cNvSpPr txBox="1">
+            <a:spLocks noGrp="1"/>
+          </p:cNvSpPr>
+          <p:nvPr>
+            <p:ph type="ctrTitle"/>
+          </p:nvPr>
+        </p:nvSpPr>
+        <p:spPr>
+          <a:xfrm>
+            <a:off x="2559844" y="1353598"/>
+            <a:ext cx="7358063" cy="2321719"/>
+          </a:xfrm>
+          <a:prstGeom prst="rect">
+            <a:avLst/>
+          </a:prstGeom>
+        </p:spPr>
+        <p:txBody>
+          <a:bodyPr>
+            <a:normAutofit fontScale="90000"/>
+          </a:bodyPr>
+          <a:lstStyle/>
+          <a:p>
+            <a:pPr defTabSz="213590">
+              <a:defRPr sz="4160"/>
+            </a:pPr>
+            <a:r>
+              <a:rPr dirty="0"/>
+              <a:t>Introduction to Computer Programming Lecture 2</a:t>
+            </a:r>
+            <a:r>
+              <a:rPr lang="en-GB" dirty="0"/>
+              <a:t>.3.b</a:t>
+            </a:r>
+            <a:r>
+              <a:rPr dirty="0"/>
+              <a:t>:</a:t>
+            </a:r>
+          </a:p>
+          <a:p>
+            <a:pPr defTabSz="213590">
+              <a:defRPr sz="4160"/>
+            </a:pPr>
+            <a:r>
+              <a:rPr dirty="0"/>
+              <a:t> </a:t>
+            </a:r>
+          </a:p>
+          <a:p>
+            <a:pPr defTabSz="213590">
+              <a:defRPr sz="4160" b="1">
+                <a:latin typeface="Helvetica"/>
+                <a:ea typeface="Helvetica"/>
+                <a:cs typeface="Helvetica"/>
+                <a:sym typeface="Helvetica"/>
+              </a:defRPr>
+            </a:pPr>
+            <a:r>
+              <a:rPr lang="en-GB" dirty="0"/>
+              <a:t>Time Telling Example </a:t>
+            </a:r>
+            <a:endParaRPr dirty="0"/>
+          </a:p>
+        </p:txBody>
+      </p:sp>
+      <p:sp>
+        <p:nvSpPr>
+          <p:cNvPr id="120" name="Department of Engineering Mathematics"/>
+          <p:cNvSpPr txBox="1"/>
+          <p:nvPr/>
+        </p:nvSpPr>
+        <p:spPr>
+          <a:xfrm>
+            <a:off x="2416969" y="4012406"/>
+            <a:ext cx="7358063" cy="794743"/>
+          </a:xfrm>
+          <a:prstGeom prst="rect">
+            <a:avLst/>
+          </a:prstGeom>
+          <a:ln w="12700">
+            <a:miter lim="400000"/>
+          </a:ln>
+          <a:extLst>
+            <a:ext uri="{C572A759-6A51-4108-AA02-DFA0A04FC94B}">
+              <ma14:wrappingTextBoxFlag xmlns:ma14="http://schemas.microsoft.com/office/mac/drawingml/2011/main" xmlns="" val="1"/>
+            </a:ext>
+          </a:extLst>
+        </p:spPr>
+        <p:txBody>
+          <a:bodyPr lIns="35719" tIns="35719" rIns="35719" bIns="35719">
+            <a:normAutofit/>
+          </a:bodyPr>
+          <a:lstStyle/>
+          <a:p>
+            <a:pPr algn="ctr" defTabSz="221806">
+              <a:defRPr sz="2268"/>
+            </a:pPr>
+            <a:r>
+              <a:rPr sz="1595" dirty="0"/>
+              <a:t>Department of Engineering Mathematics</a:t>
+            </a:r>
+          </a:p>
+          <a:p>
+            <a:pPr defTabSz="221806">
+              <a:defRPr sz="2268"/>
+            </a:pPr>
+            <a:endParaRPr sz="1595" dirty="0"/>
+          </a:p>
+        </p:txBody>
+      </p:sp>
+      <p:sp>
+        <p:nvSpPr>
+          <p:cNvPr id="122" name="Helmut Hauser"/>
+          <p:cNvSpPr txBox="1"/>
+          <p:nvPr/>
+        </p:nvSpPr>
+        <p:spPr>
+          <a:xfrm>
+            <a:off x="2559844" y="4144125"/>
+            <a:ext cx="7358063" cy="794742"/>
+          </a:xfrm>
+          <a:prstGeom prst="rect">
+            <a:avLst/>
+          </a:prstGeom>
+          <a:ln w="12700">
+            <a:miter lim="400000"/>
+          </a:ln>
+          <a:extLst>
+            <a:ext uri="{C572A759-6A51-4108-AA02-DFA0A04FC94B}">
+              <ma14:wrappingTextBoxFlag xmlns:ma14="http://schemas.microsoft.com/office/mac/drawingml/2011/main" xmlns="" val="1"/>
+            </a:ext>
+          </a:extLst>
+        </p:spPr>
+        <p:txBody>
+          <a:bodyPr lIns="35719" tIns="35719" rIns="35719" bIns="35719">
+            <a:normAutofit/>
+          </a:bodyPr>
+          <a:lstStyle/>
+          <a:p>
+            <a:pPr algn="ctr" defTabSz="221806">
+              <a:defRPr sz="3294"/>
+            </a:pPr>
+            <a:r>
+              <a:rPr lang="en-GB" sz="2316" dirty="0"/>
+              <a:t>Hemma Philamore </a:t>
+            </a:r>
+            <a:endParaRPr sz="2316" dirty="0"/>
+          </a:p>
+          <a:p>
+            <a:pPr defTabSz="221806">
+              <a:defRPr sz="1728"/>
+            </a:pPr>
+            <a:endParaRPr sz="1215" dirty="0"/>
+          </a:p>
+        </p:txBody>
+      </p:sp>
+    </p:spTree>
+    <p:extLst>
+      <p:ext uri="{BB962C8B-B14F-4D97-AF65-F5344CB8AC3E}">
+        <p14:creationId xmlns:p14="http://schemas.microsoft.com/office/powerpoint/2010/main" val="1591049899"/>
+      </p:ext>
+    </p:extLst>
+  </p:cSld>
+  <p:clrMapOvr>
+    <a:masterClrMapping/>
+  </p:clrMapOvr>
+</p:sld>
+</file>
+
+<file path=ppt/slides/slide11.xml><?xml version="1.0" encoding="utf-8"?>
 <p:sld xmlns:a="http://schemas.openxmlformats.org/drawingml/2006/main" xmlns:r="http://schemas.openxmlformats.org/officeDocument/2006/relationships" xmlns:p="http://schemas.openxmlformats.org/presentationml/2006/main">
   <p:cSld>
     <p:spTree>
@@ -3750,54 +3906,8 @@
         </p:blipFill>
         <p:spPr>
           <a:xfrm>
-            <a:off x="500742" y="464458"/>
-            <a:ext cx="8557517" cy="1461407"/>
-          </a:xfrm>
-          <a:prstGeom prst="rect">
-            <a:avLst/>
-          </a:prstGeom>
-        </p:spPr>
-      </p:pic>
-      <p:pic>
-        <p:nvPicPr>
-          <p:cNvPr id="3" name="Picture 2"/>
-          <p:cNvPicPr>
-            <a:picLocks noChangeAspect="1"/>
-          </p:cNvPicPr>
-          <p:nvPr/>
-        </p:nvPicPr>
-        <p:blipFill rotWithShape="1">
-          <a:blip r:embed="rId3"/>
-          <a:srcRect r="67487" b="85854"/>
-          <a:stretch/>
-        </p:blipFill>
-        <p:spPr>
-          <a:xfrm>
-            <a:off x="1690978" y="3811854"/>
-            <a:ext cx="2569073" cy="727874"/>
-          </a:xfrm>
-          <a:prstGeom prst="rect">
-            <a:avLst/>
-          </a:prstGeom>
-        </p:spPr>
-      </p:pic>
-      <p:pic>
-        <p:nvPicPr>
-          <p:cNvPr id="4" name="Picture 3"/>
-          <p:cNvPicPr>
-            <a:picLocks noChangeAspect="1"/>
-          </p:cNvPicPr>
-          <p:nvPr/>
-        </p:nvPicPr>
-        <p:blipFill rotWithShape="1">
-          <a:blip r:embed="rId3"/>
-          <a:srcRect l="35358" t="10505" r="11150"/>
-          <a:stretch/>
-        </p:blipFill>
-        <p:spPr>
-          <a:xfrm>
-            <a:off x="5433296" y="2599642"/>
-            <a:ext cx="3164798" cy="3448049"/>
+            <a:off x="2038350" y="685800"/>
+            <a:ext cx="8115300" cy="5486400"/>
           </a:xfrm>
           <a:prstGeom prst="rect">
             <a:avLst/>
@@ -3807,107 +3917,7 @@
     </p:spTree>
     <p:extLst>
       <p:ext uri="{BB962C8B-B14F-4D97-AF65-F5344CB8AC3E}">
-        <p14:creationId xmlns:p14="http://schemas.microsoft.com/office/powerpoint/2010/main" val="1753670001"/>
-      </p:ext>
-    </p:extLst>
-  </p:cSld>
-  <p:clrMapOvr>
-    <a:masterClrMapping/>
-  </p:clrMapOvr>
-</p:sld>
-</file>
-
-<file path=ppt/slides/slide11.xml><?xml version="1.0" encoding="utf-8"?>
-<p:sld xmlns:a="http://schemas.openxmlformats.org/drawingml/2006/main" xmlns:r="http://schemas.openxmlformats.org/officeDocument/2006/relationships" xmlns:p="http://schemas.openxmlformats.org/presentationml/2006/main">
-  <p:cSld>
-    <p:spTree>
-      <p:nvGrpSpPr>
-        <p:cNvPr id="1" name=""/>
-        <p:cNvGrpSpPr/>
-        <p:nvPr/>
-      </p:nvGrpSpPr>
-      <p:grpSpPr>
-        <a:xfrm>
-          <a:off x="0" y="0"/>
-          <a:ext cx="0" cy="0"/>
-          <a:chOff x="0" y="0"/>
-          <a:chExt cx="0" cy="0"/>
-        </a:xfrm>
-      </p:grpSpPr>
-      <p:pic>
-        <p:nvPicPr>
-          <p:cNvPr id="3" name="Picture 2"/>
-          <p:cNvPicPr>
-            <a:picLocks noChangeAspect="1"/>
-          </p:cNvPicPr>
-          <p:nvPr/>
-        </p:nvPicPr>
-        <p:blipFill rotWithShape="1">
-          <a:blip r:embed="rId2"/>
-          <a:srcRect r="58776" b="67488"/>
-          <a:stretch/>
-        </p:blipFill>
-        <p:spPr>
-          <a:xfrm>
-            <a:off x="1704244" y="3164967"/>
-            <a:ext cx="2999921" cy="1436915"/>
-          </a:xfrm>
-          <a:prstGeom prst="rect">
-            <a:avLst/>
-          </a:prstGeom>
-        </p:spPr>
-      </p:pic>
-      <p:pic>
-        <p:nvPicPr>
-          <p:cNvPr id="4" name="Picture 3"/>
-          <p:cNvPicPr>
-            <a:picLocks noChangeAspect="1"/>
-          </p:cNvPicPr>
-          <p:nvPr/>
-        </p:nvPicPr>
-        <p:blipFill>
-          <a:blip r:embed="rId3"/>
-          <a:stretch>
-            <a:fillRect/>
-          </a:stretch>
-        </p:blipFill>
-        <p:spPr>
-          <a:xfrm>
-            <a:off x="2590800" y="586921"/>
-            <a:ext cx="7416800" cy="342900"/>
-          </a:xfrm>
-          <a:prstGeom prst="rect">
-            <a:avLst/>
-          </a:prstGeom>
-        </p:spPr>
-      </p:pic>
-      <p:pic>
-        <p:nvPicPr>
-          <p:cNvPr id="5" name="Picture 4"/>
-          <p:cNvPicPr>
-            <a:picLocks noChangeAspect="1"/>
-          </p:cNvPicPr>
-          <p:nvPr/>
-        </p:nvPicPr>
-        <p:blipFill rotWithShape="1">
-          <a:blip r:embed="rId2"/>
-          <a:srcRect l="37187" t="29667"/>
-          <a:stretch/>
-        </p:blipFill>
-        <p:spPr>
-          <a:xfrm>
-            <a:off x="5787613" y="2173044"/>
-            <a:ext cx="5045337" cy="3431041"/>
-          </a:xfrm>
-          <a:prstGeom prst="rect">
-            <a:avLst/>
-          </a:prstGeom>
-        </p:spPr>
-      </p:pic>
-    </p:spTree>
-    <p:extLst>
-      <p:ext uri="{BB962C8B-B14F-4D97-AF65-F5344CB8AC3E}">
-        <p14:creationId xmlns:p14="http://schemas.microsoft.com/office/powerpoint/2010/main" val="1643611043"/>
+        <p14:creationId xmlns:p14="http://schemas.microsoft.com/office/powerpoint/2010/main" val="2122879076"/>
       </p:ext>
     </p:extLst>
   </p:cSld>
@@ -3936,68 +3946,22 @@
       </p:grpSpPr>
       <p:pic>
         <p:nvPicPr>
-          <p:cNvPr id="2" name="Picture 1"/>
-          <p:cNvPicPr>
-            <a:picLocks noChangeAspect="1"/>
-          </p:cNvPicPr>
-          <p:nvPr/>
-        </p:nvPicPr>
-        <p:blipFill rotWithShape="1">
-          <a:blip r:embed="rId2"/>
-          <a:srcRect l="27541" t="28360"/>
-          <a:stretch/>
-        </p:blipFill>
-        <p:spPr>
-          <a:xfrm>
-            <a:off x="5534233" y="1641621"/>
-            <a:ext cx="4943715" cy="4410390"/>
-          </a:xfrm>
-          <a:prstGeom prst="rect">
-            <a:avLst/>
-          </a:prstGeom>
-        </p:spPr>
-      </p:pic>
-      <p:pic>
-        <p:nvPicPr>
-          <p:cNvPr id="3" name="Picture 2"/>
+          <p:cNvPr id="5" name="Picture 4"/>
           <p:cNvPicPr>
             <a:picLocks noChangeAspect="1"/>
           </p:cNvPicPr>
           <p:nvPr/>
         </p:nvPicPr>
         <p:blipFill>
-          <a:blip r:embed="rId3"/>
+          <a:blip r:embed="rId2"/>
           <a:stretch>
             <a:fillRect/>
           </a:stretch>
         </p:blipFill>
         <p:spPr>
           <a:xfrm>
-            <a:off x="208642" y="238009"/>
-            <a:ext cx="9626600" cy="749300"/>
-          </a:xfrm>
-          <a:prstGeom prst="rect">
-            <a:avLst/>
-          </a:prstGeom>
-        </p:spPr>
-      </p:pic>
-      <p:pic>
-        <p:nvPicPr>
-          <p:cNvPr id="4" name="Picture 3"/>
-          <p:cNvPicPr>
-            <a:picLocks noChangeAspect="1"/>
-          </p:cNvPicPr>
-          <p:nvPr/>
-        </p:nvPicPr>
-        <p:blipFill rotWithShape="1">
-          <a:blip r:embed="rId2"/>
-          <a:srcRect r="59082" b="67405"/>
-          <a:stretch/>
-        </p:blipFill>
-        <p:spPr>
-          <a:xfrm>
-            <a:off x="1741000" y="2705833"/>
-            <a:ext cx="2895546" cy="2081319"/>
+            <a:off x="2292350" y="774700"/>
+            <a:ext cx="7607300" cy="5308600"/>
           </a:xfrm>
           <a:prstGeom prst="rect">
             <a:avLst/>
@@ -4007,7 +3971,7 @@
     </p:spTree>
     <p:extLst>
       <p:ext uri="{BB962C8B-B14F-4D97-AF65-F5344CB8AC3E}">
-        <p14:creationId xmlns:p14="http://schemas.microsoft.com/office/powerpoint/2010/main" val="746975139"/>
+        <p14:creationId xmlns:p14="http://schemas.microsoft.com/office/powerpoint/2010/main" val="1945090295"/>
       </p:ext>
     </p:extLst>
   </p:cSld>
@@ -4050,6 +4014,306 @@
         </p:blipFill>
         <p:spPr>
           <a:xfrm>
+            <a:off x="500742" y="464458"/>
+            <a:ext cx="8557517" cy="1461407"/>
+          </a:xfrm>
+          <a:prstGeom prst="rect">
+            <a:avLst/>
+          </a:prstGeom>
+        </p:spPr>
+      </p:pic>
+      <p:pic>
+        <p:nvPicPr>
+          <p:cNvPr id="3" name="Picture 2"/>
+          <p:cNvPicPr>
+            <a:picLocks noChangeAspect="1"/>
+          </p:cNvPicPr>
+          <p:nvPr/>
+        </p:nvPicPr>
+        <p:blipFill rotWithShape="1">
+          <a:blip r:embed="rId3"/>
+          <a:srcRect r="67487" b="85854"/>
+          <a:stretch/>
+        </p:blipFill>
+        <p:spPr>
+          <a:xfrm>
+            <a:off x="1690978" y="3811854"/>
+            <a:ext cx="2569073" cy="727874"/>
+          </a:xfrm>
+          <a:prstGeom prst="rect">
+            <a:avLst/>
+          </a:prstGeom>
+        </p:spPr>
+      </p:pic>
+      <p:pic>
+        <p:nvPicPr>
+          <p:cNvPr id="4" name="Picture 3"/>
+          <p:cNvPicPr>
+            <a:picLocks noChangeAspect="1"/>
+          </p:cNvPicPr>
+          <p:nvPr/>
+        </p:nvPicPr>
+        <p:blipFill rotWithShape="1">
+          <a:blip r:embed="rId3"/>
+          <a:srcRect l="35358" t="10505" r="11150"/>
+          <a:stretch/>
+        </p:blipFill>
+        <p:spPr>
+          <a:xfrm>
+            <a:off x="5433296" y="2599642"/>
+            <a:ext cx="3164798" cy="3448049"/>
+          </a:xfrm>
+          <a:prstGeom prst="rect">
+            <a:avLst/>
+          </a:prstGeom>
+        </p:spPr>
+      </p:pic>
+    </p:spTree>
+    <p:extLst>
+      <p:ext uri="{BB962C8B-B14F-4D97-AF65-F5344CB8AC3E}">
+        <p14:creationId xmlns:p14="http://schemas.microsoft.com/office/powerpoint/2010/main" val="1753670001"/>
+      </p:ext>
+    </p:extLst>
+  </p:cSld>
+  <p:clrMapOvr>
+    <a:masterClrMapping/>
+  </p:clrMapOvr>
+</p:sld>
+</file>
+
+<file path=ppt/slides/slide14.xml><?xml version="1.0" encoding="utf-8"?>
+<p:sld xmlns:a="http://schemas.openxmlformats.org/drawingml/2006/main" xmlns:r="http://schemas.openxmlformats.org/officeDocument/2006/relationships" xmlns:p="http://schemas.openxmlformats.org/presentationml/2006/main">
+  <p:cSld>
+    <p:spTree>
+      <p:nvGrpSpPr>
+        <p:cNvPr id="1" name=""/>
+        <p:cNvGrpSpPr/>
+        <p:nvPr/>
+      </p:nvGrpSpPr>
+      <p:grpSpPr>
+        <a:xfrm>
+          <a:off x="0" y="0"/>
+          <a:ext cx="0" cy="0"/>
+          <a:chOff x="0" y="0"/>
+          <a:chExt cx="0" cy="0"/>
+        </a:xfrm>
+      </p:grpSpPr>
+      <p:pic>
+        <p:nvPicPr>
+          <p:cNvPr id="3" name="Picture 2"/>
+          <p:cNvPicPr>
+            <a:picLocks noChangeAspect="1"/>
+          </p:cNvPicPr>
+          <p:nvPr/>
+        </p:nvPicPr>
+        <p:blipFill rotWithShape="1">
+          <a:blip r:embed="rId2"/>
+          <a:srcRect r="58776" b="67488"/>
+          <a:stretch/>
+        </p:blipFill>
+        <p:spPr>
+          <a:xfrm>
+            <a:off x="1704244" y="3164967"/>
+            <a:ext cx="2999921" cy="1436915"/>
+          </a:xfrm>
+          <a:prstGeom prst="rect">
+            <a:avLst/>
+          </a:prstGeom>
+        </p:spPr>
+      </p:pic>
+      <p:pic>
+        <p:nvPicPr>
+          <p:cNvPr id="4" name="Picture 3"/>
+          <p:cNvPicPr>
+            <a:picLocks noChangeAspect="1"/>
+          </p:cNvPicPr>
+          <p:nvPr/>
+        </p:nvPicPr>
+        <p:blipFill>
+          <a:blip r:embed="rId3"/>
+          <a:stretch>
+            <a:fillRect/>
+          </a:stretch>
+        </p:blipFill>
+        <p:spPr>
+          <a:xfrm>
+            <a:off x="2590800" y="586921"/>
+            <a:ext cx="7416800" cy="342900"/>
+          </a:xfrm>
+          <a:prstGeom prst="rect">
+            <a:avLst/>
+          </a:prstGeom>
+        </p:spPr>
+      </p:pic>
+      <p:pic>
+        <p:nvPicPr>
+          <p:cNvPr id="5" name="Picture 4"/>
+          <p:cNvPicPr>
+            <a:picLocks noChangeAspect="1"/>
+          </p:cNvPicPr>
+          <p:nvPr/>
+        </p:nvPicPr>
+        <p:blipFill rotWithShape="1">
+          <a:blip r:embed="rId2"/>
+          <a:srcRect l="37187" t="29667"/>
+          <a:stretch/>
+        </p:blipFill>
+        <p:spPr>
+          <a:xfrm>
+            <a:off x="5787613" y="2173044"/>
+            <a:ext cx="5045337" cy="3431041"/>
+          </a:xfrm>
+          <a:prstGeom prst="rect">
+            <a:avLst/>
+          </a:prstGeom>
+        </p:spPr>
+      </p:pic>
+    </p:spTree>
+    <p:extLst>
+      <p:ext uri="{BB962C8B-B14F-4D97-AF65-F5344CB8AC3E}">
+        <p14:creationId xmlns:p14="http://schemas.microsoft.com/office/powerpoint/2010/main" val="1643611043"/>
+      </p:ext>
+    </p:extLst>
+  </p:cSld>
+  <p:clrMapOvr>
+    <a:masterClrMapping/>
+  </p:clrMapOvr>
+</p:sld>
+</file>
+
+<file path=ppt/slides/slide15.xml><?xml version="1.0" encoding="utf-8"?>
+<p:sld xmlns:a="http://schemas.openxmlformats.org/drawingml/2006/main" xmlns:r="http://schemas.openxmlformats.org/officeDocument/2006/relationships" xmlns:p="http://schemas.openxmlformats.org/presentationml/2006/main">
+  <p:cSld>
+    <p:spTree>
+      <p:nvGrpSpPr>
+        <p:cNvPr id="1" name=""/>
+        <p:cNvGrpSpPr/>
+        <p:nvPr/>
+      </p:nvGrpSpPr>
+      <p:grpSpPr>
+        <a:xfrm>
+          <a:off x="0" y="0"/>
+          <a:ext cx="0" cy="0"/>
+          <a:chOff x="0" y="0"/>
+          <a:chExt cx="0" cy="0"/>
+        </a:xfrm>
+      </p:grpSpPr>
+      <p:pic>
+        <p:nvPicPr>
+          <p:cNvPr id="2" name="Picture 1"/>
+          <p:cNvPicPr>
+            <a:picLocks noChangeAspect="1"/>
+          </p:cNvPicPr>
+          <p:nvPr/>
+        </p:nvPicPr>
+        <p:blipFill rotWithShape="1">
+          <a:blip r:embed="rId2"/>
+          <a:srcRect l="27541" t="28360"/>
+          <a:stretch/>
+        </p:blipFill>
+        <p:spPr>
+          <a:xfrm>
+            <a:off x="5534233" y="1641621"/>
+            <a:ext cx="4943715" cy="4410390"/>
+          </a:xfrm>
+          <a:prstGeom prst="rect">
+            <a:avLst/>
+          </a:prstGeom>
+        </p:spPr>
+      </p:pic>
+      <p:pic>
+        <p:nvPicPr>
+          <p:cNvPr id="3" name="Picture 2"/>
+          <p:cNvPicPr>
+            <a:picLocks noChangeAspect="1"/>
+          </p:cNvPicPr>
+          <p:nvPr/>
+        </p:nvPicPr>
+        <p:blipFill>
+          <a:blip r:embed="rId3"/>
+          <a:stretch>
+            <a:fillRect/>
+          </a:stretch>
+        </p:blipFill>
+        <p:spPr>
+          <a:xfrm>
+            <a:off x="208642" y="238009"/>
+            <a:ext cx="9626600" cy="749300"/>
+          </a:xfrm>
+          <a:prstGeom prst="rect">
+            <a:avLst/>
+          </a:prstGeom>
+        </p:spPr>
+      </p:pic>
+      <p:pic>
+        <p:nvPicPr>
+          <p:cNvPr id="4" name="Picture 3"/>
+          <p:cNvPicPr>
+            <a:picLocks noChangeAspect="1"/>
+          </p:cNvPicPr>
+          <p:nvPr/>
+        </p:nvPicPr>
+        <p:blipFill rotWithShape="1">
+          <a:blip r:embed="rId2"/>
+          <a:srcRect r="59082" b="67405"/>
+          <a:stretch/>
+        </p:blipFill>
+        <p:spPr>
+          <a:xfrm>
+            <a:off x="1741000" y="2705833"/>
+            <a:ext cx="2895546" cy="2081319"/>
+          </a:xfrm>
+          <a:prstGeom prst="rect">
+            <a:avLst/>
+          </a:prstGeom>
+        </p:spPr>
+      </p:pic>
+    </p:spTree>
+    <p:extLst>
+      <p:ext uri="{BB962C8B-B14F-4D97-AF65-F5344CB8AC3E}">
+        <p14:creationId xmlns:p14="http://schemas.microsoft.com/office/powerpoint/2010/main" val="746975139"/>
+      </p:ext>
+    </p:extLst>
+  </p:cSld>
+  <p:clrMapOvr>
+    <a:masterClrMapping/>
+  </p:clrMapOvr>
+</p:sld>
+</file>
+
+<file path=ppt/slides/slide16.xml><?xml version="1.0" encoding="utf-8"?>
+<p:sld xmlns:a="http://schemas.openxmlformats.org/drawingml/2006/main" xmlns:r="http://schemas.openxmlformats.org/officeDocument/2006/relationships" xmlns:p="http://schemas.openxmlformats.org/presentationml/2006/main">
+  <p:cSld>
+    <p:spTree>
+      <p:nvGrpSpPr>
+        <p:cNvPr id="1" name=""/>
+        <p:cNvGrpSpPr/>
+        <p:nvPr/>
+      </p:nvGrpSpPr>
+      <p:grpSpPr>
+        <a:xfrm>
+          <a:off x="0" y="0"/>
+          <a:ext cx="0" cy="0"/>
+          <a:chOff x="0" y="0"/>
+          <a:chExt cx="0" cy="0"/>
+        </a:xfrm>
+      </p:grpSpPr>
+      <p:pic>
+        <p:nvPicPr>
+          <p:cNvPr id="2" name="Picture 1"/>
+          <p:cNvPicPr>
+            <a:picLocks noChangeAspect="1"/>
+          </p:cNvPicPr>
+          <p:nvPr/>
+        </p:nvPicPr>
+        <p:blipFill>
+          <a:blip r:embed="rId2"/>
+          <a:stretch>
+            <a:fillRect/>
+          </a:stretch>
+        </p:blipFill>
+        <p:spPr>
+          <a:xfrm>
             <a:off x="1403350" y="273050"/>
             <a:ext cx="9385300" cy="6311900"/>
           </a:xfrm>
@@ -4071,7 +4335,7 @@
 </p:sld>
 </file>
 
-<file path=ppt/slides/slide14.xml><?xml version="1.0" encoding="utf-8"?>
+<file path=ppt/slides/slide17.xml><?xml version="1.0" encoding="utf-8"?>
 <p:sld xmlns:a="http://schemas.openxmlformats.org/drawingml/2006/main" xmlns:r="http://schemas.openxmlformats.org/officeDocument/2006/relationships" xmlns:p="http://schemas.openxmlformats.org/presentationml/2006/main">
   <p:cSld>
     <p:spTree>
@@ -4397,7 +4661,7 @@
 </p:sld>
 </file>
 
-<file path=ppt/slides/slide15.xml><?xml version="1.0" encoding="utf-8"?>
+<file path=ppt/slides/slide18.xml><?xml version="1.0" encoding="utf-8"?>
 <p:sld xmlns:a="http://schemas.openxmlformats.org/drawingml/2006/main" xmlns:r="http://schemas.openxmlformats.org/officeDocument/2006/relationships" xmlns:p="http://schemas.openxmlformats.org/presentationml/2006/main">
   <p:cSld>
     <p:spTree>
@@ -4448,18 +4712,10 @@
   <p:clrMapOvr>
     <a:masterClrMapping/>
   </p:clrMapOvr>
-  <mc:AlternateContent xmlns:mc="http://schemas.openxmlformats.org/markup-compatibility/2006">
-    <mc:Choice xmlns:p14="http://schemas.microsoft.com/office/powerpoint/2010/main" Requires="p14">
-      <p:transition spd="slow" p14:dur="2000"/>
-    </mc:Choice>
-    <mc:Fallback>
-      <p:transition spd="slow"/>
-    </mc:Fallback>
-  </mc:AlternateContent>
 </p:sld>
 </file>
 
-<file path=ppt/slides/slide16.xml><?xml version="1.0" encoding="utf-8"?>
+<file path=ppt/slides/slide19.xml><?xml version="1.0" encoding="utf-8"?>
 <p:sld xmlns:a="http://schemas.openxmlformats.org/drawingml/2006/main" xmlns:r="http://schemas.openxmlformats.org/officeDocument/2006/relationships" xmlns:p="http://schemas.openxmlformats.org/presentationml/2006/main">
   <p:cSld>
     <p:spTree>
@@ -4786,7 +5042,7 @@
           </a:ln>
           <a:extLst>
             <a:ext uri="{C572A759-6A51-4108-AA02-DFA0A04FC94B}">
-              <ma14:wrappingTextBoxFlag xmlns:ma14="http://schemas.microsoft.com/office/mac/drawingml/2011/main" val="1"/>
+              <ma14:wrappingTextBoxFlag xmlns:ma14="http://schemas.microsoft.com/office/mac/drawingml/2011/main" xmlns="" val="1"/>
             </a:ext>
           </a:extLst>
         </p:spPr>
@@ -4805,7 +5061,7 @@
           </a:lstStyle>
           <a:p>
             <a:r>
-              <a:rPr lang="en-GB" sz="2039" b="1" dirty="0" smtClean="0"/>
+              <a:rPr lang="en-GB" sz="2039" b="1" dirty="0"/>
               <a:t>Control Flow</a:t>
             </a:r>
             <a:endParaRPr sz="2039" b="1" dirty="0"/>
@@ -4868,14 +5124,6 @@
   <p:clrMapOvr>
     <a:masterClrMapping/>
   </p:clrMapOvr>
-  <mc:AlternateContent xmlns:mc="http://schemas.openxmlformats.org/markup-compatibility/2006" xmlns:p14="http://schemas.microsoft.com/office/powerpoint/2010/main">
-    <mc:Choice Requires="p14">
-      <p:transition spd="slow" p14:dur="2000"/>
-    </mc:Choice>
-    <mc:Fallback xmlns="">
-      <p:transition spd="slow"/>
-    </mc:Fallback>
-  </mc:AlternateContent>
 </p:sld>
 </file>
 
@@ -4898,43 +5146,81 @@
       </p:grpSpPr>
       <p:sp>
         <p:nvSpPr>
-          <p:cNvPr id="457" name="Controlling the flow"/>
+          <p:cNvPr id="119" name="Introduction to Computer Programming Lecture 2:…"/>
           <p:cNvSpPr txBox="1">
             <a:spLocks noGrp="1"/>
           </p:cNvSpPr>
           <p:nvPr>
-            <p:ph type="title"/>
+            <p:ph type="ctrTitle"/>
           </p:nvPr>
         </p:nvSpPr>
         <p:spPr>
           <a:xfrm>
-            <a:off x="242043" y="4334"/>
-            <a:ext cx="10515600" cy="1325563"/>
+            <a:off x="2559844" y="1353598"/>
+            <a:ext cx="7358063" cy="2321719"/>
           </a:xfrm>
           <a:prstGeom prst="rect">
             <a:avLst/>
           </a:prstGeom>
         </p:spPr>
         <p:txBody>
-          <a:bodyPr/>
+          <a:bodyPr>
+            <a:normAutofit fontScale="90000"/>
+          </a:bodyPr>
           <a:lstStyle/>
           <a:p>
-            <a:r>
-              <a:t>Controlling the flow</a:t>
-            </a:r>
-          </a:p>
-        </p:txBody>
-      </p:sp>
-      <p:sp>
-        <p:nvSpPr>
-          <p:cNvPr id="458" name="􏰀Conditional statements run different blocks of code depending on whether a Boolean condition evaluates to true or false."/>
+            <a:pPr defTabSz="213590">
+              <a:defRPr sz="4160"/>
+            </a:pPr>
+            <a:r>
+              <a:rPr dirty="0"/>
+              <a:t>Introduction to Computer Programming Lecture 2</a:t>
+            </a:r>
+            <a:r>
+              <a:rPr lang="en-GB" dirty="0"/>
+              <a:t>.3.a</a:t>
+            </a:r>
+            <a:r>
+              <a:rPr dirty="0"/>
+              <a:t>:</a:t>
+            </a:r>
+          </a:p>
+          <a:p>
+            <a:pPr defTabSz="213590">
+              <a:defRPr sz="4160"/>
+            </a:pPr>
+            <a:r>
+              <a:rPr dirty="0"/>
+              <a:t> </a:t>
+            </a:r>
+          </a:p>
+          <a:p>
+            <a:pPr defTabSz="213590">
+              <a:defRPr sz="4160" b="1">
+                <a:latin typeface="Helvetica"/>
+                <a:ea typeface="Helvetica"/>
+                <a:cs typeface="Helvetica"/>
+                <a:sym typeface="Helvetica"/>
+              </a:defRPr>
+            </a:pPr>
+            <a:r>
+              <a:rPr lang="en-GB" dirty="0"/>
+              <a:t>Introduction to Control Flow </a:t>
+            </a:r>
+            <a:endParaRPr dirty="0"/>
+          </a:p>
+        </p:txBody>
+      </p:sp>
+      <p:sp>
+        <p:nvSpPr>
+          <p:cNvPr id="120" name="Department of Engineering Mathematics"/>
           <p:cNvSpPr txBox="1"/>
           <p:nvPr/>
         </p:nvSpPr>
         <p:spPr>
           <a:xfrm>
-            <a:off x="2287738" y="1086480"/>
-            <a:ext cx="7752675" cy="721288"/>
+            <a:off x="2416969" y="4012406"/>
+            <a:ext cx="7358063" cy="794743"/>
           </a:xfrm>
           <a:prstGeom prst="rect">
             <a:avLst/>
@@ -4944,7 +5230,157 @@
           </a:ln>
           <a:extLst>
             <a:ext uri="{C572A759-6A51-4108-AA02-DFA0A04FC94B}">
-              <ma14:wrappingTextBoxFlag xmlns:ma14="http://schemas.microsoft.com/office/mac/drawingml/2011/main" val="1"/>
+              <ma14:wrappingTextBoxFlag xmlns:ma14="http://schemas.microsoft.com/office/mac/drawingml/2011/main" xmlns="" val="1"/>
+            </a:ext>
+          </a:extLst>
+        </p:spPr>
+        <p:txBody>
+          <a:bodyPr lIns="35719" tIns="35719" rIns="35719" bIns="35719">
+            <a:normAutofit/>
+          </a:bodyPr>
+          <a:lstStyle/>
+          <a:p>
+            <a:pPr algn="ctr" defTabSz="221806">
+              <a:defRPr sz="2268"/>
+            </a:pPr>
+            <a:r>
+              <a:rPr sz="1595" dirty="0"/>
+              <a:t>Department of Engineering Mathematics</a:t>
+            </a:r>
+          </a:p>
+          <a:p>
+            <a:pPr defTabSz="221806">
+              <a:defRPr sz="2268"/>
+            </a:pPr>
+            <a:endParaRPr sz="1595" dirty="0"/>
+          </a:p>
+        </p:txBody>
+      </p:sp>
+      <p:sp>
+        <p:nvSpPr>
+          <p:cNvPr id="122" name="Helmut Hauser"/>
+          <p:cNvSpPr txBox="1"/>
+          <p:nvPr/>
+        </p:nvSpPr>
+        <p:spPr>
+          <a:xfrm>
+            <a:off x="2559844" y="4144125"/>
+            <a:ext cx="7358063" cy="794742"/>
+          </a:xfrm>
+          <a:prstGeom prst="rect">
+            <a:avLst/>
+          </a:prstGeom>
+          <a:ln w="12700">
+            <a:miter lim="400000"/>
+          </a:ln>
+          <a:extLst>
+            <a:ext uri="{C572A759-6A51-4108-AA02-DFA0A04FC94B}">
+              <ma14:wrappingTextBoxFlag xmlns:ma14="http://schemas.microsoft.com/office/mac/drawingml/2011/main" xmlns="" val="1"/>
+            </a:ext>
+          </a:extLst>
+        </p:spPr>
+        <p:txBody>
+          <a:bodyPr lIns="35719" tIns="35719" rIns="35719" bIns="35719">
+            <a:normAutofit/>
+          </a:bodyPr>
+          <a:lstStyle/>
+          <a:p>
+            <a:pPr algn="ctr" defTabSz="221806">
+              <a:defRPr sz="3294"/>
+            </a:pPr>
+            <a:r>
+              <a:rPr lang="en-GB" sz="2316" dirty="0"/>
+              <a:t>Hemma Philamore </a:t>
+            </a:r>
+            <a:endParaRPr sz="2316" dirty="0"/>
+          </a:p>
+          <a:p>
+            <a:pPr defTabSz="221806">
+              <a:defRPr sz="1728"/>
+            </a:pPr>
+            <a:endParaRPr sz="1215" dirty="0"/>
+          </a:p>
+        </p:txBody>
+      </p:sp>
+    </p:spTree>
+    <p:extLst>
+      <p:ext uri="{BB962C8B-B14F-4D97-AF65-F5344CB8AC3E}">
+        <p14:creationId xmlns:p14="http://schemas.microsoft.com/office/powerpoint/2010/main" val="1347310744"/>
+      </p:ext>
+    </p:extLst>
+  </p:cSld>
+  <p:clrMapOvr>
+    <a:masterClrMapping/>
+  </p:clrMapOvr>
+</p:sld>
+</file>
+
+<file path=ppt/slides/slide3.xml><?xml version="1.0" encoding="utf-8"?>
+<p:sld xmlns:a="http://schemas.openxmlformats.org/drawingml/2006/main" xmlns:r="http://schemas.openxmlformats.org/officeDocument/2006/relationships" xmlns:p="http://schemas.openxmlformats.org/presentationml/2006/main">
+  <p:cSld>
+    <p:spTree>
+      <p:nvGrpSpPr>
+        <p:cNvPr id="1" name=""/>
+        <p:cNvGrpSpPr/>
+        <p:nvPr/>
+      </p:nvGrpSpPr>
+      <p:grpSpPr>
+        <a:xfrm>
+          <a:off x="0" y="0"/>
+          <a:ext cx="0" cy="0"/>
+          <a:chOff x="0" y="0"/>
+          <a:chExt cx="0" cy="0"/>
+        </a:xfrm>
+      </p:grpSpPr>
+      <p:sp>
+        <p:nvSpPr>
+          <p:cNvPr id="457" name="Controlling the flow"/>
+          <p:cNvSpPr txBox="1">
+            <a:spLocks noGrp="1"/>
+          </p:cNvSpPr>
+          <p:nvPr>
+            <p:ph type="title"/>
+          </p:nvPr>
+        </p:nvSpPr>
+        <p:spPr>
+          <a:xfrm>
+            <a:off x="242043" y="4334"/>
+            <a:ext cx="10515600" cy="1325563"/>
+          </a:xfrm>
+          <a:prstGeom prst="rect">
+            <a:avLst/>
+          </a:prstGeom>
+        </p:spPr>
+        <p:txBody>
+          <a:bodyPr/>
+          <a:lstStyle/>
+          <a:p>
+            <a:r>
+              <a:t>Controlling the flow</a:t>
+            </a:r>
+          </a:p>
+        </p:txBody>
+      </p:sp>
+      <p:sp>
+        <p:nvSpPr>
+          <p:cNvPr id="458" name="􏰀Conditional statements run different blocks of code depending on whether a Boolean condition evaluates to true or false."/>
+          <p:cNvSpPr txBox="1"/>
+          <p:nvPr/>
+        </p:nvSpPr>
+        <p:spPr>
+          <a:xfrm>
+            <a:off x="2287738" y="1086480"/>
+            <a:ext cx="7752675" cy="721288"/>
+          </a:xfrm>
+          <a:prstGeom prst="rect">
+            <a:avLst/>
+          </a:prstGeom>
+          <a:ln w="12700">
+            <a:miter lim="400000"/>
+          </a:ln>
+          <a:extLst>
+            <a:ext uri="{C572A759-6A51-4108-AA02-DFA0A04FC94B}">
+              <ma14:wrappingTextBoxFlag xmlns:ma14="http://schemas.microsoft.com/office/mac/drawingml/2011/main" xmlns="" val="1"/>
             </a:ext>
           </a:extLst>
         </p:spPr>
@@ -4961,22 +5397,13 @@
               <a:defRPr sz="3000"/>
             </a:pPr>
             <a:r>
-              <a:rPr sz="2109" b="1" dirty="0" smtClean="0">
-                <a:latin typeface="Helvetica"/>
-                <a:ea typeface="Helvetica"/>
-                <a:cs typeface="Helvetica"/>
-                <a:sym typeface="Helvetica"/>
-              </a:rPr>
-              <a:t>Conditional </a:t>
-            </a:r>
-            <a:r>
               <a:rPr sz="2109" b="1" dirty="0">
                 <a:latin typeface="Helvetica"/>
                 <a:ea typeface="Helvetica"/>
                 <a:cs typeface="Helvetica"/>
                 <a:sym typeface="Helvetica"/>
               </a:rPr>
-              <a:t>statements</a:t>
+              <a:t>Conditional statements</a:t>
             </a:r>
             <a:r>
               <a:rPr sz="2109" dirty="0"/>
@@ -5057,7 +5484,7 @@
             </a:effectLst>
             <a:extLst>
               <a:ext uri="{C572A759-6A51-4108-AA02-DFA0A04FC94B}">
-                <ma14:wrappingTextBoxFlag xmlns:ma14="http://schemas.microsoft.com/office/mac/drawingml/2011/main" val="1"/>
+                <ma14:wrappingTextBoxFlag xmlns:ma14="http://schemas.microsoft.com/office/mac/drawingml/2011/main" xmlns="" val="1"/>
               </a:ext>
             </a:extLst>
           </p:spPr>
@@ -5277,7 +5704,7 @@
             <a:effectLst/>
             <a:extLst>
               <a:ext uri="{C572A759-6A51-4108-AA02-DFA0A04FC94B}">
-                <ma14:wrappingTextBoxFlag xmlns:ma14="http://schemas.microsoft.com/office/mac/drawingml/2011/main" val="1"/>
+                <ma14:wrappingTextBoxFlag xmlns:ma14="http://schemas.microsoft.com/office/mac/drawingml/2011/main" xmlns="" val="1"/>
               </a:ext>
             </a:extLst>
           </p:spPr>
@@ -5316,7 +5743,7 @@
             <a:effectLst/>
             <a:extLst>
               <a:ext uri="{C572A759-6A51-4108-AA02-DFA0A04FC94B}">
-                <ma14:wrappingTextBoxFlag xmlns:ma14="http://schemas.microsoft.com/office/mac/drawingml/2011/main" val="1"/>
+                <ma14:wrappingTextBoxFlag xmlns:ma14="http://schemas.microsoft.com/office/mac/drawingml/2011/main" xmlns="" val="1"/>
               </a:ext>
             </a:extLst>
           </p:spPr>
@@ -5363,7 +5790,7 @@
           </a:effectLst>
           <a:extLst>
             <a:ext uri="{C572A759-6A51-4108-AA02-DFA0A04FC94B}">
-              <ma14:wrappingTextBoxFlag xmlns:ma14="http://schemas.microsoft.com/office/mac/drawingml/2011/main" val="1"/>
+              <ma14:wrappingTextBoxFlag xmlns:ma14="http://schemas.microsoft.com/office/mac/drawingml/2011/main" xmlns="" val="1"/>
             </a:ext>
           </a:extLst>
         </p:spPr>
@@ -5420,7 +5847,7 @@
           </a:effectLst>
           <a:extLst>
             <a:ext uri="{C572A759-6A51-4108-AA02-DFA0A04FC94B}">
-              <ma14:wrappingTextBoxFlag xmlns:ma14="http://schemas.microsoft.com/office/mac/drawingml/2011/main" val="1"/>
+              <ma14:wrappingTextBoxFlag xmlns:ma14="http://schemas.microsoft.com/office/mac/drawingml/2011/main" xmlns="" val="1"/>
             </a:ext>
           </a:extLst>
         </p:spPr>
@@ -5543,7 +5970,7 @@
           </a:effectLst>
           <a:extLst>
             <a:ext uri="{C572A759-6A51-4108-AA02-DFA0A04FC94B}">
-              <ma14:wrappingTextBoxFlag xmlns:ma14="http://schemas.microsoft.com/office/mac/drawingml/2011/main" val="1"/>
+              <ma14:wrappingTextBoxFlag xmlns:ma14="http://schemas.microsoft.com/office/mac/drawingml/2011/main" xmlns="" val="1"/>
             </a:ext>
           </a:extLst>
         </p:spPr>
@@ -5559,27 +5986,22 @@
             </a:lvl1pPr>
           </a:lstStyle>
           <a:p>
-            <a:endParaRPr lang="en-GB" sz="1687" dirty="0" smtClean="0"/>
-          </a:p>
-          <a:p>
-            <a:r>
-              <a:rPr sz="1687" dirty="0" smtClean="0"/>
+            <a:endParaRPr lang="en-GB" sz="1687" dirty="0"/>
+          </a:p>
+          <a:p>
+            <a:r>
+              <a:rPr sz="1687" dirty="0"/>
               <a:t>Conditional</a:t>
             </a:r>
             <a:r>
               <a:rPr lang="en-GB" sz="1687" dirty="0"/>
               <a:t>: </a:t>
             </a:r>
-            <a:endParaRPr lang="en-GB" sz="1687" dirty="0" smtClean="0"/>
-          </a:p>
-          <a:p>
-            <a:r>
-              <a:rPr lang="en-GB" sz="1687" dirty="0" smtClean="0"/>
-              <a:t>controlling </a:t>
-            </a:r>
+          </a:p>
+          <a:p>
             <a:r>
               <a:rPr lang="en-GB" sz="1687" dirty="0"/>
-              <a:t>the workflow</a:t>
+              <a:t>controlling the workflow</a:t>
             </a:r>
           </a:p>
           <a:p>
@@ -5610,10 +6032,9 @@
           <a:lstStyle/>
           <a:p>
             <a:r>
-              <a:rPr lang="en-US" sz="2800" b="1" dirty="0" smtClean="0"/>
+              <a:rPr lang="en-US" sz="2800" b="1" dirty="0"/>
               <a:t>x</a:t>
             </a:r>
-            <a:endParaRPr lang="en-US" sz="2800" b="1" dirty="0"/>
           </a:p>
         </p:txBody>
       </p:sp>
@@ -5970,7 +6391,7 @@
 </p:sld>
 </file>
 
-<file path=ppt/slides/slide3.xml><?xml version="1.0" encoding="utf-8"?>
+<file path=ppt/slides/slide4.xml><?xml version="1.0" encoding="utf-8"?>
 <p:sld xmlns:a="http://schemas.openxmlformats.org/drawingml/2006/main" xmlns:r="http://schemas.openxmlformats.org/officeDocument/2006/relationships" xmlns:p="http://schemas.openxmlformats.org/presentationml/2006/main">
   <p:cSld>
     <p:spTree>
@@ -5996,9 +6417,7 @@
           <p:nvPr/>
         </p:nvPicPr>
         <p:blipFill>
-          <a:blip r:embed="rId2">
-            <a:extLst/>
-          </a:blip>
+          <a:blip r:embed="rId2"/>
           <a:stretch>
             <a:fillRect/>
           </a:stretch>
@@ -6027,6 +6446,10 @@
           </p:nvPr>
         </p:nvSpPr>
         <p:spPr>
+          <a:xfrm>
+            <a:off x="3088911" y="44136"/>
+            <a:ext cx="10515600" cy="1325563"/>
+          </a:xfrm>
           <a:prstGeom prst="rect">
             <a:avLst/>
           </a:prstGeom>
@@ -6036,6 +6459,7 @@
           <a:lstStyle/>
           <a:p>
             <a:r>
+              <a:rPr dirty="0"/>
               <a:t>Conditional Statements</a:t>
             </a:r>
           </a:p>
@@ -6049,7 +6473,7 @@
         </p:nvSpPr>
         <p:spPr>
           <a:xfrm>
-            <a:off x="2207191" y="1558743"/>
+            <a:off x="2635512" y="1383137"/>
             <a:ext cx="7930924" cy="715645"/>
           </a:xfrm>
           <a:prstGeom prst="rect">
@@ -6060,7 +6484,7 @@
           </a:ln>
           <a:extLst>
             <a:ext uri="{C572A759-6A51-4108-AA02-DFA0A04FC94B}">
-              <ma14:wrappingTextBoxFlag xmlns:ma14="http://schemas.microsoft.com/office/mac/drawingml/2011/main" val="1"/>
+              <ma14:wrappingTextBoxFlag xmlns:ma14="http://schemas.microsoft.com/office/mac/drawingml/2011/main" xmlns="" val="1"/>
             </a:ext>
           </a:extLst>
         </p:spPr>
@@ -6096,7 +6520,16 @@
                 <a:cs typeface="Helvetica"/>
                 <a:sym typeface="Helvetica"/>
               </a:rPr>
-              <a:t>If... then...</a:t>
+              <a:t>If</a:t>
+            </a:r>
+            <a:r>
+              <a:rPr lang="en-US" sz="2109" b="1" dirty="0">
+                <a:latin typeface="Helvetica"/>
+                <a:ea typeface="Helvetica"/>
+                <a:cs typeface="Helvetica"/>
+                <a:sym typeface="Helvetica"/>
+              </a:rPr>
+              <a:t> </a:t>
             </a:r>
             <a:r>
               <a:rPr sz="2109" dirty="0"/>
@@ -6165,7 +6598,7 @@
               </a:effectLst>
               <a:extLst>
                 <a:ext uri="{C572A759-6A51-4108-AA02-DFA0A04FC94B}">
-                  <ma14:wrappingTextBoxFlag xmlns:ma14="http://schemas.microsoft.com/office/mac/drawingml/2011/main" val="1"/>
+                  <ma14:wrappingTextBoxFlag xmlns:ma14="http://schemas.microsoft.com/office/mac/drawingml/2011/main" xmlns="" val="1"/>
                 </a:ext>
               </a:extLst>
             </p:spPr>
@@ -6371,7 +6804,7 @@
             <a:effectLst/>
             <a:extLst>
               <a:ext uri="{C572A759-6A51-4108-AA02-DFA0A04FC94B}">
-                <ma14:wrappingTextBoxFlag xmlns:ma14="http://schemas.microsoft.com/office/mac/drawingml/2011/main" val="1"/>
+                <ma14:wrappingTextBoxFlag xmlns:ma14="http://schemas.microsoft.com/office/mac/drawingml/2011/main" xmlns="" val="1"/>
               </a:ext>
             </a:extLst>
           </p:spPr>
@@ -6414,7 +6847,7 @@
             <a:effectLst/>
             <a:extLst>
               <a:ext uri="{C572A759-6A51-4108-AA02-DFA0A04FC94B}">
-                <ma14:wrappingTextBoxFlag xmlns:ma14="http://schemas.microsoft.com/office/mac/drawingml/2011/main" val="1"/>
+                <ma14:wrappingTextBoxFlag xmlns:ma14="http://schemas.microsoft.com/office/mac/drawingml/2011/main" xmlns="" val="1"/>
               </a:ext>
             </a:extLst>
           </p:spPr>
@@ -6467,7 +6900,7 @@
             </a:effectLst>
             <a:extLst>
               <a:ext uri="{C572A759-6A51-4108-AA02-DFA0A04FC94B}">
-                <ma14:wrappingTextBoxFlag xmlns:ma14="http://schemas.microsoft.com/office/mac/drawingml/2011/main" val="1"/>
+                <ma14:wrappingTextBoxFlag xmlns:ma14="http://schemas.microsoft.com/office/mac/drawingml/2011/main" xmlns="" val="1"/>
               </a:ext>
             </a:extLst>
           </p:spPr>
@@ -6528,7 +6961,7 @@
             </a:effectLst>
             <a:extLst>
               <a:ext uri="{C572A759-6A51-4108-AA02-DFA0A04FC94B}">
-                <ma14:wrappingTextBoxFlag xmlns:ma14="http://schemas.microsoft.com/office/mac/drawingml/2011/main" val="1"/>
+                <ma14:wrappingTextBoxFlag xmlns:ma14="http://schemas.microsoft.com/office/mac/drawingml/2011/main" xmlns="" val="1"/>
               </a:ext>
             </a:extLst>
           </p:spPr>
@@ -6682,18 +7115,13 @@
           <a:lstStyle/>
           <a:p>
             <a:r>
-              <a:rPr lang="en-US" b="1" i="1" dirty="0" smtClean="0">
+              <a:rPr lang="en-US" b="1" i="1" dirty="0">
                 <a:solidFill>
                   <a:schemeClr val="accent2"/>
                 </a:solidFill>
               </a:rPr>
               <a:t>conditional</a:t>
             </a:r>
-            <a:endParaRPr lang="en-US" b="1" i="1" dirty="0">
-              <a:solidFill>
-                <a:schemeClr val="accent2"/>
-              </a:solidFill>
-            </a:endParaRPr>
           </a:p>
         </p:txBody>
       </p:sp>
@@ -6756,18 +7184,13 @@
           <a:lstStyle/>
           <a:p>
             <a:r>
-              <a:rPr lang="en-US" b="1" i="1" dirty="0" smtClean="0">
+              <a:rPr lang="en-US" b="1" i="1" dirty="0">
                 <a:solidFill>
                   <a:schemeClr val="accent2"/>
                 </a:solidFill>
               </a:rPr>
               <a:t>indentation</a:t>
             </a:r>
-            <a:endParaRPr lang="en-US" b="1" i="1" dirty="0">
-              <a:solidFill>
-                <a:schemeClr val="accent2"/>
-              </a:solidFill>
-            </a:endParaRPr>
           </a:p>
         </p:txBody>
       </p:sp>
@@ -6880,7 +7303,7 @@
           <a:p>
             <a:pPr algn="ctr"/>
             <a:r>
-              <a:rPr lang="en-US" b="1" i="1" smtClean="0">
+              <a:rPr lang="en-US" b="1" i="1">
                 <a:solidFill>
                   <a:schemeClr val="accent2"/>
                 </a:solidFill>
@@ -6954,10 +7377,9 @@
           <a:lstStyle/>
           <a:p>
             <a:r>
-              <a:rPr lang="en-US" sz="2800" b="1" dirty="0" smtClean="0"/>
+              <a:rPr lang="en-US" sz="2800" b="1" dirty="0"/>
               <a:t>x</a:t>
             </a:r>
-            <a:endParaRPr lang="en-US" sz="2800" b="1" dirty="0"/>
           </a:p>
         </p:txBody>
       </p:sp>
@@ -7097,7 +7519,7 @@
 </p:sld>
 </file>
 
-<file path=ppt/slides/slide4.xml><?xml version="1.0" encoding="utf-8"?>
+<file path=ppt/slides/slide5.xml><?xml version="1.0" encoding="utf-8"?>
 <p:sld xmlns:a="http://schemas.openxmlformats.org/drawingml/2006/main" xmlns:r="http://schemas.openxmlformats.org/officeDocument/2006/relationships" xmlns:p="http://schemas.openxmlformats.org/presentationml/2006/main">
   <p:cSld>
     <p:spTree>
@@ -7114,82 +7536,6 @@
           <a:chExt cx="0" cy="0"/>
         </a:xfrm>
       </p:grpSpPr>
-      <p:sp>
-        <p:nvSpPr>
-          <p:cNvPr id="492" name="Conditional Statements"/>
-          <p:cNvSpPr txBox="1">
-            <a:spLocks noGrp="1"/>
-          </p:cNvSpPr>
-          <p:nvPr>
-            <p:ph type="title"/>
-          </p:nvPr>
-        </p:nvSpPr>
-        <p:spPr>
-          <a:prstGeom prst="rect">
-            <a:avLst/>
-          </a:prstGeom>
-        </p:spPr>
-        <p:txBody>
-          <a:bodyPr/>
-          <a:lstStyle/>
-          <a:p>
-            <a:r>
-              <a:t>Conditional Statements</a:t>
-            </a:r>
-          </a:p>
-        </p:txBody>
-      </p:sp>
-      <p:sp>
-        <p:nvSpPr>
-          <p:cNvPr id="493" name="If... then... else...: Runs the block of code under “then” only if the condition is true. Runs the “else” code otherwise."/>
-          <p:cNvSpPr txBox="1"/>
-          <p:nvPr/>
-        </p:nvSpPr>
-        <p:spPr>
-          <a:xfrm>
-            <a:off x="4987284" y="1765894"/>
-            <a:ext cx="4871204" cy="1045864"/>
-          </a:xfrm>
-          <a:prstGeom prst="rect">
-            <a:avLst/>
-          </a:prstGeom>
-          <a:ln w="12700">
-            <a:miter lim="400000"/>
-          </a:ln>
-          <a:extLst>
-            <a:ext uri="{C572A759-6A51-4108-AA02-DFA0A04FC94B}">
-              <ma14:wrappingTextBoxFlag xmlns:ma14="http://schemas.microsoft.com/office/mac/drawingml/2011/main" val="1"/>
-            </a:ext>
-          </a:extLst>
-        </p:spPr>
-        <p:txBody>
-          <a:bodyPr lIns="35719" tIns="35719" rIns="35719" bIns="35719" anchor="ctr">
-            <a:spAutoFit/>
-          </a:bodyPr>
-          <a:lstStyle/>
-          <a:p>
-            <a:pPr algn="just" defTabSz="321457">
-              <a:spcBef>
-                <a:spcPts val="844"/>
-              </a:spcBef>
-              <a:defRPr sz="3000"/>
-            </a:pPr>
-            <a:r>
-              <a:rPr sz="2109" b="1">
-                <a:latin typeface="Helvetica"/>
-                <a:ea typeface="Helvetica"/>
-                <a:cs typeface="Helvetica"/>
-                <a:sym typeface="Helvetica"/>
-              </a:rPr>
-              <a:t>If... then... else...</a:t>
-            </a:r>
-            <a:r>
-              <a:rPr sz="2109"/>
-              <a:t>: Runs the block of code under “then” only if the condition is true. Runs the “else” code otherwise.</a:t>
-            </a:r>
-          </a:p>
-        </p:txBody>
-      </p:sp>
       <p:pic>
         <p:nvPicPr>
           <p:cNvPr id="494" name="Image" descr="Image"/>
@@ -7199,9 +7545,7 @@
           <p:nvPr/>
         </p:nvPicPr>
         <p:blipFill>
-          <a:blip r:embed="rId2">
-            <a:extLst/>
-          </a:blip>
+          <a:blip r:embed="rId2"/>
           <a:stretch>
             <a:fillRect/>
           </a:stretch>
@@ -7279,7 +7623,7 @@
               </a:effectLst>
               <a:extLst>
                 <a:ext uri="{C572A759-6A51-4108-AA02-DFA0A04FC94B}">
-                  <ma14:wrappingTextBoxFlag xmlns:ma14="http://schemas.microsoft.com/office/mac/drawingml/2011/main" val="1"/>
+                  <ma14:wrappingTextBoxFlag xmlns:ma14="http://schemas.microsoft.com/office/mac/drawingml/2011/main" xmlns="" val="1"/>
                 </a:ext>
               </a:extLst>
             </p:spPr>
@@ -7434,7 +7778,7 @@
             <a:effectLst/>
             <a:extLst>
               <a:ext uri="{C572A759-6A51-4108-AA02-DFA0A04FC94B}">
-                <ma14:wrappingTextBoxFlag xmlns:ma14="http://schemas.microsoft.com/office/mac/drawingml/2011/main" val="1"/>
+                <ma14:wrappingTextBoxFlag xmlns:ma14="http://schemas.microsoft.com/office/mac/drawingml/2011/main" xmlns="" val="1"/>
               </a:ext>
             </a:extLst>
           </p:spPr>
@@ -7477,7 +7821,7 @@
             <a:effectLst/>
             <a:extLst>
               <a:ext uri="{C572A759-6A51-4108-AA02-DFA0A04FC94B}">
-                <ma14:wrappingTextBoxFlag xmlns:ma14="http://schemas.microsoft.com/office/mac/drawingml/2011/main" val="1"/>
+                <ma14:wrappingTextBoxFlag xmlns:ma14="http://schemas.microsoft.com/office/mac/drawingml/2011/main" xmlns="" val="1"/>
               </a:ext>
             </a:extLst>
           </p:spPr>
@@ -7530,7 +7874,7 @@
             </a:effectLst>
             <a:extLst>
               <a:ext uri="{C572A759-6A51-4108-AA02-DFA0A04FC94B}">
-                <ma14:wrappingTextBoxFlag xmlns:ma14="http://schemas.microsoft.com/office/mac/drawingml/2011/main" val="1"/>
+                <ma14:wrappingTextBoxFlag xmlns:ma14="http://schemas.microsoft.com/office/mac/drawingml/2011/main" xmlns="" val="1"/>
               </a:ext>
             </a:extLst>
           </p:spPr>
@@ -7591,7 +7935,7 @@
             </a:effectLst>
             <a:extLst>
               <a:ext uri="{C572A759-6A51-4108-AA02-DFA0A04FC94B}">
-                <ma14:wrappingTextBoxFlag xmlns:ma14="http://schemas.microsoft.com/office/mac/drawingml/2011/main" val="1"/>
+                <ma14:wrappingTextBoxFlag xmlns:ma14="http://schemas.microsoft.com/office/mac/drawingml/2011/main" xmlns="" val="1"/>
               </a:ext>
             </a:extLst>
           </p:spPr>
@@ -7704,7 +8048,7 @@
             </a:effectLst>
             <a:extLst>
               <a:ext uri="{C572A759-6A51-4108-AA02-DFA0A04FC94B}">
-                <ma14:wrappingTextBoxFlag xmlns:ma14="http://schemas.microsoft.com/office/mac/drawingml/2011/main" val="1"/>
+                <ma14:wrappingTextBoxFlag xmlns:ma14="http://schemas.microsoft.com/office/mac/drawingml/2011/main" xmlns="" val="1"/>
               </a:ext>
             </a:extLst>
           </p:spPr>
@@ -7859,18 +8203,13 @@
           <a:lstStyle/>
           <a:p>
             <a:r>
-              <a:rPr lang="en-US" dirty="0" smtClean="0">
+              <a:rPr lang="en-US" dirty="0">
                 <a:solidFill>
                   <a:schemeClr val="accent2"/>
                 </a:solidFill>
               </a:rPr>
               <a:t>if</a:t>
             </a:r>
-            <a:endParaRPr lang="en-US" dirty="0">
-              <a:solidFill>
-                <a:schemeClr val="accent2"/>
-              </a:solidFill>
-            </a:endParaRPr>
           </a:p>
         </p:txBody>
       </p:sp>
@@ -7897,7 +8236,7 @@
           <a:lstStyle/>
           <a:p>
             <a:r>
-              <a:rPr lang="en-US" smtClean="0">
+              <a:rPr lang="en-US">
                 <a:solidFill>
                   <a:schemeClr val="accent2"/>
                 </a:solidFill>
@@ -7984,18 +8323,13 @@
           <a:lstStyle/>
           <a:p>
             <a:r>
-              <a:rPr lang="en-US" b="1" i="1" dirty="0" smtClean="0">
+              <a:rPr lang="en-US" b="1" i="1" dirty="0">
                 <a:solidFill>
                   <a:schemeClr val="accent2"/>
                 </a:solidFill>
               </a:rPr>
               <a:t>conditional</a:t>
             </a:r>
-            <a:endParaRPr lang="en-US" b="1" i="1" dirty="0">
-              <a:solidFill>
-                <a:schemeClr val="accent2"/>
-              </a:solidFill>
-            </a:endParaRPr>
           </a:p>
         </p:txBody>
       </p:sp>
@@ -8058,18 +8392,13 @@
           <a:lstStyle/>
           <a:p>
             <a:r>
-              <a:rPr lang="en-US" b="1" i="1" dirty="0" smtClean="0">
+              <a:rPr lang="en-US" b="1" i="1" dirty="0">
                 <a:solidFill>
                   <a:schemeClr val="accent2"/>
                 </a:solidFill>
               </a:rPr>
               <a:t>indentation</a:t>
             </a:r>
-            <a:endParaRPr lang="en-US" b="1" i="1" dirty="0">
-              <a:solidFill>
-                <a:schemeClr val="accent2"/>
-              </a:solidFill>
-            </a:endParaRPr>
           </a:p>
         </p:txBody>
       </p:sp>
@@ -8218,7 +8547,7 @@
           <a:p>
             <a:pPr algn="ctr"/>
             <a:r>
-              <a:rPr lang="en-US" b="1" i="1" smtClean="0">
+              <a:rPr lang="en-US" b="1" i="1">
                 <a:solidFill>
                   <a:schemeClr val="accent2"/>
                 </a:solidFill>
@@ -8292,18 +8621,13 @@
           <a:lstStyle/>
           <a:p>
             <a:r>
-              <a:rPr lang="en-US" b="1" i="1" dirty="0" smtClean="0">
+              <a:rPr lang="en-US" b="1" i="1" dirty="0">
                 <a:solidFill>
                   <a:schemeClr val="accent2"/>
                 </a:solidFill>
               </a:rPr>
               <a:t>indentation</a:t>
             </a:r>
-            <a:endParaRPr lang="en-US" b="1" i="1" dirty="0">
-              <a:solidFill>
-                <a:schemeClr val="accent2"/>
-              </a:solidFill>
-            </a:endParaRPr>
           </a:p>
         </p:txBody>
       </p:sp>
@@ -8416,7 +8740,7 @@
           <a:p>
             <a:pPr algn="ctr"/>
             <a:r>
-              <a:rPr lang="en-US" b="1" i="1" smtClean="0">
+              <a:rPr lang="en-US" b="1" i="1">
                 <a:solidFill>
                   <a:schemeClr val="accent2"/>
                 </a:solidFill>
@@ -8428,6 +8752,156 @@
                 <a:schemeClr val="accent2"/>
               </a:solidFill>
             </a:endParaRPr>
+          </a:p>
+        </p:txBody>
+      </p:sp>
+      <p:sp>
+        <p:nvSpPr>
+          <p:cNvPr id="37" name="If... then... else...: Runs the block of code under “then” only if the condition is true. Runs the “else” code otherwise.">
+            <a:extLst>
+              <a:ext uri="{FF2B5EF4-FFF2-40B4-BE49-F238E27FC236}">
+                <a16:creationId xmlns:a16="http://schemas.microsoft.com/office/drawing/2014/main" id="{0C37BE6F-1AB0-E646-B129-58FFCEE56E85}"/>
+              </a:ext>
+            </a:extLst>
+          </p:cNvPr>
+          <p:cNvSpPr txBox="1"/>
+          <p:nvPr/>
+        </p:nvSpPr>
+        <p:spPr>
+          <a:xfrm>
+            <a:off x="5117219" y="1261148"/>
+            <a:ext cx="4871204" cy="1575624"/>
+          </a:xfrm>
+          <a:prstGeom prst="rect">
+            <a:avLst/>
+          </a:prstGeom>
+          <a:ln w="12700">
+            <a:miter lim="400000"/>
+          </a:ln>
+          <a:extLst>
+            <a:ext uri="{C572A759-6A51-4108-AA02-DFA0A04FC94B}">
+              <ma14:wrappingTextBoxFlag xmlns:ma14="http://schemas.microsoft.com/office/mac/drawingml/2011/main" xmlns="" val="1"/>
+            </a:ext>
+          </a:extLst>
+        </p:spPr>
+        <p:txBody>
+          <a:bodyPr lIns="35719" tIns="35719" rIns="35719" bIns="35719" anchor="ctr">
+            <a:spAutoFit/>
+          </a:bodyPr>
+          <a:lstStyle/>
+          <a:p>
+            <a:pPr algn="ctr" defTabSz="321457">
+              <a:spcBef>
+                <a:spcPts val="844"/>
+              </a:spcBef>
+              <a:defRPr sz="3000"/>
+            </a:pPr>
+            <a:r>
+              <a:rPr sz="2109" b="1" dirty="0">
+                <a:latin typeface="Helvetica"/>
+                <a:ea typeface="Helvetica"/>
+                <a:cs typeface="Helvetica"/>
+                <a:sym typeface="Helvetica"/>
+              </a:rPr>
+              <a:t>If... else...</a:t>
+            </a:r>
+            <a:r>
+              <a:rPr sz="2109" dirty="0"/>
+              <a:t> </a:t>
+            </a:r>
+            <a:endParaRPr lang="en-US" sz="2109" dirty="0"/>
+          </a:p>
+          <a:p>
+            <a:pPr algn="just" defTabSz="321457">
+              <a:spcBef>
+                <a:spcPts val="844"/>
+              </a:spcBef>
+              <a:defRPr sz="3000"/>
+            </a:pPr>
+            <a:r>
+              <a:rPr sz="2109" dirty="0"/>
+              <a:t>Runs the block of code under “</a:t>
+            </a:r>
+            <a:r>
+              <a:rPr lang="en-US" sz="2109" dirty="0"/>
+              <a:t>if</a:t>
+            </a:r>
+            <a:r>
+              <a:rPr sz="2109" dirty="0"/>
+              <a:t>” only if the condition is true. </a:t>
+            </a:r>
+            <a:endParaRPr lang="en-US" sz="2109" dirty="0"/>
+          </a:p>
+          <a:p>
+            <a:pPr algn="just" defTabSz="321457">
+              <a:spcBef>
+                <a:spcPts val="844"/>
+              </a:spcBef>
+              <a:defRPr sz="3000"/>
+            </a:pPr>
+            <a:r>
+              <a:rPr lang="en-US" sz="2109" dirty="0"/>
+              <a:t>Otherwise, r</a:t>
+            </a:r>
+            <a:r>
+              <a:rPr sz="2109" dirty="0"/>
+              <a:t>uns the “else” code.</a:t>
+            </a:r>
+          </a:p>
+        </p:txBody>
+      </p:sp>
+      <p:sp>
+        <p:nvSpPr>
+          <p:cNvPr id="38" name="Conditional Statements">
+            <a:extLst>
+              <a:ext uri="{FF2B5EF4-FFF2-40B4-BE49-F238E27FC236}">
+                <a16:creationId xmlns:a16="http://schemas.microsoft.com/office/drawing/2014/main" id="{7E96D47A-4C0B-A541-9AC0-CE6A748F15B3}"/>
+              </a:ext>
+            </a:extLst>
+          </p:cNvPr>
+          <p:cNvSpPr txBox="1">
+            <a:spLocks/>
+          </p:cNvSpPr>
+          <p:nvPr/>
+        </p:nvSpPr>
+        <p:spPr>
+          <a:xfrm>
+            <a:off x="3088911" y="44136"/>
+            <a:ext cx="10515600" cy="1325563"/>
+          </a:xfrm>
+          <a:prstGeom prst="rect">
+            <a:avLst/>
+          </a:prstGeom>
+        </p:spPr>
+        <p:txBody>
+          <a:bodyPr vert="horz" lIns="91440" tIns="45720" rIns="91440" bIns="45720" rtlCol="0" anchor="ctr">
+            <a:normAutofit/>
+          </a:bodyPr>
+          <a:lstStyle>
+            <a:lvl1pPr algn="l" defTabSz="914400" rtl="0" eaLnBrk="1" latinLnBrk="0" hangingPunct="1">
+              <a:lnSpc>
+                <a:spcPct val="90000"/>
+              </a:lnSpc>
+              <a:spcBef>
+                <a:spcPct val="0"/>
+              </a:spcBef>
+              <a:buNone/>
+              <a:defRPr sz="4400" kern="1200">
+                <a:solidFill>
+                  <a:schemeClr val="tx1"/>
+                </a:solidFill>
+                <a:latin typeface="+mj-lt"/>
+                <a:ea typeface="+mj-ea"/>
+                <a:cs typeface="+mj-cs"/>
+              </a:defRPr>
+            </a:lvl1pPr>
+          </a:lstStyle>
+          <a:p>
+            <a:r>
+              <a:rPr lang="en-US"/>
+              <a:t>Conditional Statements</a:t>
+            </a:r>
+            <a:endParaRPr lang="en-US" dirty="0"/>
           </a:p>
         </p:txBody>
       </p:sp>
@@ -8567,7 +9041,7 @@
 </p:sld>
 </file>
 
-<file path=ppt/slides/slide5.xml><?xml version="1.0" encoding="utf-8"?>
+<file path=ppt/slides/slide6.xml><?xml version="1.0" encoding="utf-8"?>
 <p:sld xmlns:a="http://schemas.openxmlformats.org/drawingml/2006/main" xmlns:r="http://schemas.openxmlformats.org/officeDocument/2006/relationships" xmlns:p="http://schemas.openxmlformats.org/presentationml/2006/main">
   <p:cSld>
     <p:spTree>
@@ -8584,31 +9058,6 @@
           <a:chExt cx="0" cy="0"/>
         </a:xfrm>
       </p:grpSpPr>
-      <p:sp>
-        <p:nvSpPr>
-          <p:cNvPr id="512" name="Conditional Statements"/>
-          <p:cNvSpPr txBox="1">
-            <a:spLocks noGrp="1"/>
-          </p:cNvSpPr>
-          <p:nvPr>
-            <p:ph type="title"/>
-          </p:nvPr>
-        </p:nvSpPr>
-        <p:spPr>
-          <a:prstGeom prst="rect">
-            <a:avLst/>
-          </a:prstGeom>
-        </p:spPr>
-        <p:txBody>
-          <a:bodyPr/>
-          <a:lstStyle/>
-          <a:p>
-            <a:r>
-              <a:t>Conditional Statements</a:t>
-            </a:r>
-          </a:p>
-        </p:txBody>
-      </p:sp>
       <p:grpSp>
         <p:nvGrpSpPr>
           <p:cNvPr id="518" name="Group"/>
@@ -8721,7 +9170,7 @@
             </a:effectLst>
             <a:extLst>
               <a:ext uri="{C572A759-6A51-4108-AA02-DFA0A04FC94B}">
-                <ma14:wrappingTextBoxFlag xmlns:ma14="http://schemas.microsoft.com/office/mac/drawingml/2011/main" val="1"/>
+                <ma14:wrappingTextBoxFlag xmlns:ma14="http://schemas.microsoft.com/office/mac/drawingml/2011/main" xmlns="" val="1"/>
               </a:ext>
             </a:extLst>
           </p:spPr>
@@ -8755,9 +9204,7 @@
             <p:nvPr/>
           </p:nvPicPr>
           <p:blipFill>
-            <a:blip r:embed="rId3">
-              <a:extLst/>
-            </a:blip>
+            <a:blip r:embed="rId3"/>
             <a:stretch>
               <a:fillRect/>
             </a:stretch>
@@ -8875,7 +9322,7 @@
             </a:effectLst>
             <a:extLst>
               <a:ext uri="{C572A759-6A51-4108-AA02-DFA0A04FC94B}">
-                <ma14:wrappingTextBoxFlag xmlns:ma14="http://schemas.microsoft.com/office/mac/drawingml/2011/main" val="1"/>
+                <ma14:wrappingTextBoxFlag xmlns:ma14="http://schemas.microsoft.com/office/mac/drawingml/2011/main" xmlns="" val="1"/>
               </a:ext>
             </a:extLst>
           </p:spPr>
@@ -8995,7 +9442,7 @@
             </a:effectLst>
             <a:extLst>
               <a:ext uri="{C572A759-6A51-4108-AA02-DFA0A04FC94B}">
-                <ma14:wrappingTextBoxFlag xmlns:ma14="http://schemas.microsoft.com/office/mac/drawingml/2011/main" val="1"/>
+                <ma14:wrappingTextBoxFlag xmlns:ma14="http://schemas.microsoft.com/office/mac/drawingml/2011/main" xmlns="" val="1"/>
               </a:ext>
             </a:extLst>
           </p:spPr>
@@ -9118,7 +9565,7 @@
             </a:effectLst>
             <a:extLst>
               <a:ext uri="{C572A759-6A51-4108-AA02-DFA0A04FC94B}">
-                <ma14:wrappingTextBoxFlag xmlns:ma14="http://schemas.microsoft.com/office/mac/drawingml/2011/main" val="1"/>
+                <ma14:wrappingTextBoxFlag xmlns:ma14="http://schemas.microsoft.com/office/mac/drawingml/2011/main" xmlns="" val="1"/>
               </a:ext>
             </a:extLst>
           </p:spPr>
@@ -9137,20 +9584,16 @@
             </a:lstStyle>
             <a:p>
               <a:r>
-                <a:rPr sz="1687" dirty="0" smtClean="0"/>
+                <a:rPr sz="1687" dirty="0"/>
                 <a:t>nest</a:t>
               </a:r>
               <a:r>
-                <a:rPr lang="en-GB" sz="1687" dirty="0" err="1" smtClean="0"/>
+                <a:rPr lang="en-GB" sz="1687" dirty="0" err="1"/>
                 <a:t>ed</a:t>
               </a:r>
               <a:r>
-                <a:rPr sz="1687" dirty="0" smtClean="0"/>
-                <a:t> </a:t>
-              </a:r>
-              <a:r>
                 <a:rPr sz="1687" dirty="0"/>
-                <a:t>conditions</a:t>
+                <a:t> conditions</a:t>
               </a:r>
             </a:p>
           </p:txBody>
@@ -9276,6 +9719,61 @@
           <a:p>
             <a:pPr algn="ctr"/>
             <a:endParaRPr lang="en-US"/>
+          </a:p>
+        </p:txBody>
+      </p:sp>
+      <p:sp>
+        <p:nvSpPr>
+          <p:cNvPr id="14" name="Conditional Statements">
+            <a:extLst>
+              <a:ext uri="{FF2B5EF4-FFF2-40B4-BE49-F238E27FC236}">
+                <a16:creationId xmlns:a16="http://schemas.microsoft.com/office/drawing/2014/main" id="{B0E2720D-3851-3743-AACB-75388444DBBA}"/>
+              </a:ext>
+            </a:extLst>
+          </p:cNvPr>
+          <p:cNvSpPr txBox="1">
+            <a:spLocks/>
+          </p:cNvSpPr>
+          <p:nvPr/>
+        </p:nvSpPr>
+        <p:spPr>
+          <a:xfrm>
+            <a:off x="3088911" y="44136"/>
+            <a:ext cx="10515600" cy="1325563"/>
+          </a:xfrm>
+          <a:prstGeom prst="rect">
+            <a:avLst/>
+          </a:prstGeom>
+        </p:spPr>
+        <p:txBody>
+          <a:bodyPr vert="horz" lIns="91440" tIns="45720" rIns="91440" bIns="45720" rtlCol="0" anchor="ctr">
+            <a:normAutofit/>
+          </a:bodyPr>
+          <a:lstStyle>
+            <a:lvl1pPr algn="l" defTabSz="914400" rtl="0" eaLnBrk="1" latinLnBrk="0" hangingPunct="1">
+              <a:lnSpc>
+                <a:spcPct val="90000"/>
+              </a:lnSpc>
+              <a:spcBef>
+                <a:spcPct val="0"/>
+              </a:spcBef>
+              <a:buNone/>
+              <a:defRPr sz="4400" kern="1200">
+                <a:solidFill>
+                  <a:schemeClr val="tx1"/>
+                </a:solidFill>
+                <a:latin typeface="+mj-lt"/>
+                <a:ea typeface="+mj-ea"/>
+                <a:cs typeface="+mj-cs"/>
+              </a:defRPr>
+            </a:lvl1pPr>
+          </a:lstStyle>
+          <a:p>
+            <a:r>
+              <a:rPr lang="en-US"/>
+              <a:t>Conditional Statements</a:t>
+            </a:r>
+            <a:endParaRPr lang="en-US" dirty="0"/>
           </a:p>
         </p:txBody>
       </p:sp>
@@ -9370,7 +9868,2155 @@
 </p:sld>
 </file>
 
-<file path=ppt/slides/slide6.xml><?xml version="1.0" encoding="utf-8"?>
+<file path=ppt/slides/slide7.xml><?xml version="1.0" encoding="utf-8"?>
+<p:sld xmlns:a="http://schemas.openxmlformats.org/drawingml/2006/main" xmlns:r="http://schemas.openxmlformats.org/officeDocument/2006/relationships" xmlns:p="http://schemas.openxmlformats.org/presentationml/2006/main">
+  <p:cSld>
+    <p:spTree>
+      <p:nvGrpSpPr>
+        <p:cNvPr id="1" name=""/>
+        <p:cNvGrpSpPr/>
+        <p:nvPr/>
+      </p:nvGrpSpPr>
+      <p:grpSpPr>
+        <a:xfrm>
+          <a:off x="0" y="0"/>
+          <a:ext cx="0" cy="0"/>
+          <a:chOff x="0" y="0"/>
+          <a:chExt cx="0" cy="0"/>
+        </a:xfrm>
+      </p:grpSpPr>
+      <p:pic>
+        <p:nvPicPr>
+          <p:cNvPr id="4" name="Picture 3">
+            <a:extLst>
+              <a:ext uri="{FF2B5EF4-FFF2-40B4-BE49-F238E27FC236}">
+                <a16:creationId xmlns:a16="http://schemas.microsoft.com/office/drawing/2014/main" id="{B458220C-2EBB-494E-B809-6BE78F9441DF}"/>
+              </a:ext>
+            </a:extLst>
+          </p:cNvPr>
+          <p:cNvPicPr>
+            <a:picLocks noChangeAspect="1"/>
+          </p:cNvPicPr>
+          <p:nvPr/>
+        </p:nvPicPr>
+        <p:blipFill>
+          <a:blip r:embed="rId2"/>
+          <a:stretch>
+            <a:fillRect/>
+          </a:stretch>
+        </p:blipFill>
+        <p:spPr>
+          <a:xfrm>
+            <a:off x="2357517" y="3392656"/>
+            <a:ext cx="3923859" cy="1481623"/>
+          </a:xfrm>
+          <a:prstGeom prst="rect">
+            <a:avLst/>
+          </a:prstGeom>
+        </p:spPr>
+      </p:pic>
+      <p:grpSp>
+        <p:nvGrpSpPr>
+          <p:cNvPr id="508" name="Group"/>
+          <p:cNvGrpSpPr/>
+          <p:nvPr/>
+        </p:nvGrpSpPr>
+        <p:grpSpPr>
+          <a:xfrm>
+            <a:off x="6469174" y="351239"/>
+            <a:ext cx="4929164" cy="3670111"/>
+            <a:chOff x="0" y="5"/>
+            <a:chExt cx="7010363" cy="5219713"/>
+          </a:xfrm>
+        </p:grpSpPr>
+        <p:grpSp>
+          <p:nvGrpSpPr>
+            <p:cNvPr id="498" name="Group"/>
+            <p:cNvGrpSpPr/>
+            <p:nvPr/>
+          </p:nvGrpSpPr>
+          <p:grpSpPr>
+            <a:xfrm>
+              <a:off x="747977" y="5"/>
+              <a:ext cx="1215955" cy="1661691"/>
+              <a:chOff x="0" y="6"/>
+              <a:chExt cx="1215954" cy="1661689"/>
+            </a:xfrm>
+          </p:grpSpPr>
+          <p:sp>
+            <p:nvSpPr>
+              <p:cNvPr id="496" name="x &gt; 10"/>
+              <p:cNvSpPr/>
+              <p:nvPr/>
+            </p:nvSpPr>
+            <p:spPr>
+              <a:xfrm>
+                <a:off x="0" y="831718"/>
+                <a:ext cx="1215954" cy="829977"/>
+              </a:xfrm>
+              <a:prstGeom prst="rect">
+                <a:avLst/>
+              </a:prstGeom>
+              <a:blipFill rotWithShape="1">
+                <a:blip r:embed="rId3"/>
+                <a:srcRect/>
+                <a:tile tx="0" ty="0" sx="100000" sy="100000" flip="none" algn="tl"/>
+              </a:blipFill>
+              <a:ln w="12700" cap="flat">
+                <a:noFill/>
+                <a:miter lim="400000"/>
+              </a:ln>
+              <a:effectLst>
+                <a:outerShdw blurRad="38100" dist="25400" dir="5400000" rotWithShape="0">
+                  <a:srgbClr val="000000">
+                    <a:alpha val="50000"/>
+                  </a:srgbClr>
+                </a:outerShdw>
+              </a:effectLst>
+              <a:extLst>
+                <a:ext uri="{C572A759-6A51-4108-AA02-DFA0A04FC94B}">
+                  <ma14:wrappingTextBoxFlag xmlns:ma14="http://schemas.microsoft.com/office/mac/drawingml/2011/main" xmlns="" val="1"/>
+                </a:ext>
+              </a:extLst>
+            </p:spPr>
+            <p:txBody>
+              <a:bodyPr wrap="square" lIns="35719" tIns="35719" rIns="35719" bIns="35719" numCol="1" anchor="ctr">
+                <a:noAutofit/>
+              </a:bodyPr>
+              <a:lstStyle>
+                <a:lvl1pPr>
+                  <a:defRPr sz="2400" b="1">
+                    <a:solidFill>
+                      <a:srgbClr val="FFFFFF"/>
+                    </a:solidFill>
+                    <a:latin typeface="Helvetica"/>
+                    <a:ea typeface="Helvetica"/>
+                    <a:cs typeface="Helvetica"/>
+                    <a:sym typeface="Helvetica"/>
+                  </a:defRPr>
+                </a:lvl1pPr>
+              </a:lstStyle>
+              <a:p>
+                <a:pPr algn="ctr"/>
+                <a:r>
+                  <a:rPr sz="1687" dirty="0"/>
+                  <a:t>x &gt; 10</a:t>
+                </a:r>
+              </a:p>
+            </p:txBody>
+          </p:sp>
+          <p:sp>
+            <p:nvSpPr>
+              <p:cNvPr id="497" name="Arrow"/>
+              <p:cNvSpPr/>
+              <p:nvPr/>
+            </p:nvSpPr>
+            <p:spPr>
+              <a:xfrm rot="5400026">
+                <a:off x="124029" y="5"/>
+                <a:ext cx="829976" cy="829977"/>
+              </a:xfrm>
+              <a:prstGeom prst="rightArrow">
+                <a:avLst>
+                  <a:gd name="adj1" fmla="val 32000"/>
+                  <a:gd name="adj2" fmla="val 64000"/>
+                </a:avLst>
+              </a:prstGeom>
+              <a:blipFill rotWithShape="1">
+                <a:blip r:embed="rId3"/>
+                <a:srcRect/>
+                <a:tile tx="0" ty="0" sx="100000" sy="100000" flip="none" algn="tl"/>
+              </a:blipFill>
+              <a:ln w="12700" cap="flat">
+                <a:noFill/>
+                <a:miter lim="400000"/>
+              </a:ln>
+              <a:effectLst>
+                <a:outerShdw blurRad="38100" dist="25400" dir="5400000" rotWithShape="0">
+                  <a:srgbClr val="000000">
+                    <a:alpha val="50000"/>
+                  </a:srgbClr>
+                </a:outerShdw>
+              </a:effectLst>
+            </p:spPr>
+            <p:txBody>
+              <a:bodyPr wrap="square" lIns="35719" tIns="35719" rIns="35719" bIns="35719" numCol="1" anchor="ctr">
+                <a:noAutofit/>
+              </a:bodyPr>
+              <a:lstStyle/>
+              <a:p>
+                <a:pPr>
+                  <a:defRPr sz="2400">
+                    <a:solidFill>
+                      <a:srgbClr val="FFFFFF"/>
+                    </a:solidFill>
+                  </a:defRPr>
+                </a:pPr>
+                <a:endParaRPr sz="1687"/>
+              </a:p>
+            </p:txBody>
+          </p:sp>
+        </p:grpSp>
+        <p:sp>
+          <p:nvSpPr>
+            <p:cNvPr id="499" name="Arrow"/>
+            <p:cNvSpPr/>
+            <p:nvPr/>
+          </p:nvSpPr>
+          <p:spPr>
+            <a:xfrm rot="5400026">
+              <a:off x="2938952" y="1678513"/>
+              <a:ext cx="829978" cy="829977"/>
+            </a:xfrm>
+            <a:prstGeom prst="rightArrow">
+              <a:avLst>
+                <a:gd name="adj1" fmla="val 32000"/>
+                <a:gd name="adj2" fmla="val 64000"/>
+              </a:avLst>
+            </a:prstGeom>
+            <a:blipFill rotWithShape="1">
+              <a:blip r:embed="rId3"/>
+              <a:srcRect/>
+              <a:tile tx="0" ty="0" sx="100000" sy="100000" flip="none" algn="tl"/>
+            </a:blipFill>
+            <a:ln w="12700" cap="flat">
+              <a:noFill/>
+              <a:miter lim="400000"/>
+            </a:ln>
+            <a:effectLst>
+              <a:outerShdw blurRad="38100" dist="25400" dir="5400000" rotWithShape="0">
+                <a:srgbClr val="000000">
+                  <a:alpha val="50000"/>
+                </a:srgbClr>
+              </a:outerShdw>
+            </a:effectLst>
+          </p:spPr>
+          <p:txBody>
+            <a:bodyPr wrap="square" lIns="35719" tIns="35719" rIns="35719" bIns="35719" numCol="1" anchor="ctr">
+              <a:noAutofit/>
+            </a:bodyPr>
+            <a:lstStyle/>
+            <a:p>
+              <a:pPr>
+                <a:defRPr sz="2400">
+                  <a:solidFill>
+                    <a:srgbClr val="FFFFFF"/>
+                  </a:solidFill>
+                </a:defRPr>
+              </a:pPr>
+              <a:endParaRPr sz="1687"/>
+            </a:p>
+          </p:txBody>
+        </p:sp>
+        <p:sp>
+          <p:nvSpPr>
+            <p:cNvPr id="500" name="True"/>
+            <p:cNvSpPr txBox="1"/>
+            <p:nvPr/>
+          </p:nvSpPr>
+          <p:spPr>
+            <a:xfrm>
+              <a:off x="0" y="1845039"/>
+              <a:ext cx="855076" cy="428026"/>
+            </a:xfrm>
+            <a:prstGeom prst="rect">
+              <a:avLst/>
+            </a:prstGeom>
+            <a:noFill/>
+            <a:ln w="12700" cap="flat">
+              <a:noFill/>
+              <a:miter lim="400000"/>
+            </a:ln>
+            <a:effectLst/>
+            <a:extLst>
+              <a:ext uri="{C572A759-6A51-4108-AA02-DFA0A04FC94B}">
+                <ma14:wrappingTextBoxFlag xmlns:ma14="http://schemas.microsoft.com/office/mac/drawingml/2011/main" xmlns="" val="1"/>
+              </a:ext>
+            </a:extLst>
+          </p:spPr>
+          <p:txBody>
+            <a:bodyPr wrap="square" lIns="35719" tIns="35719" rIns="35719" bIns="35719" numCol="1" anchor="ctr">
+              <a:noAutofit/>
+            </a:bodyPr>
+            <a:lstStyle>
+              <a:lvl1pPr>
+                <a:defRPr sz="2400"/>
+              </a:lvl1pPr>
+            </a:lstStyle>
+            <a:p>
+              <a:endParaRPr sz="1687" dirty="0"/>
+            </a:p>
+          </p:txBody>
+        </p:sp>
+        <p:sp>
+          <p:nvSpPr>
+            <p:cNvPr id="501" name="False"/>
+            <p:cNvSpPr txBox="1"/>
+            <p:nvPr/>
+          </p:nvSpPr>
+          <p:spPr>
+            <a:xfrm>
+              <a:off x="5786126" y="2262400"/>
+              <a:ext cx="950619" cy="423289"/>
+            </a:xfrm>
+            <a:prstGeom prst="rect">
+              <a:avLst/>
+            </a:prstGeom>
+            <a:noFill/>
+            <a:ln w="12700" cap="flat">
+              <a:noFill/>
+              <a:miter lim="400000"/>
+            </a:ln>
+            <a:effectLst/>
+            <a:extLst>
+              <a:ext uri="{C572A759-6A51-4108-AA02-DFA0A04FC94B}">
+                <ma14:wrappingTextBoxFlag xmlns:ma14="http://schemas.microsoft.com/office/mac/drawingml/2011/main" xmlns="" val="1"/>
+              </a:ext>
+            </a:extLst>
+          </p:spPr>
+          <p:txBody>
+            <a:bodyPr wrap="square" lIns="35719" tIns="35719" rIns="35719" bIns="35719" numCol="1" anchor="ctr">
+              <a:noAutofit/>
+            </a:bodyPr>
+            <a:lstStyle>
+              <a:lvl1pPr>
+                <a:defRPr sz="2200"/>
+              </a:lvl1pPr>
+            </a:lstStyle>
+            <a:p>
+              <a:endParaRPr sz="1547" dirty="0"/>
+            </a:p>
+          </p:txBody>
+        </p:sp>
+        <p:sp>
+          <p:nvSpPr>
+            <p:cNvPr id="502" name="Do this!"/>
+            <p:cNvSpPr/>
+            <p:nvPr/>
+          </p:nvSpPr>
+          <p:spPr>
+            <a:xfrm>
+              <a:off x="527441" y="2451673"/>
+              <a:ext cx="1436492" cy="1205283"/>
+            </a:xfrm>
+            <a:prstGeom prst="rect">
+              <a:avLst/>
+            </a:prstGeom>
+            <a:blipFill rotWithShape="1">
+              <a:blip r:embed="rId3"/>
+              <a:srcRect/>
+              <a:tile tx="0" ty="0" sx="100000" sy="100000" flip="none" algn="tl"/>
+            </a:blipFill>
+            <a:ln w="12700" cap="flat">
+              <a:noFill/>
+              <a:miter lim="400000"/>
+            </a:ln>
+            <a:effectLst>
+              <a:outerShdw blurRad="38100" dist="25400" dir="5400000" rotWithShape="0">
+                <a:srgbClr val="000000">
+                  <a:alpha val="50000"/>
+                </a:srgbClr>
+              </a:outerShdw>
+            </a:effectLst>
+            <a:extLst>
+              <a:ext uri="{C572A759-6A51-4108-AA02-DFA0A04FC94B}">
+                <ma14:wrappingTextBoxFlag xmlns:ma14="http://schemas.microsoft.com/office/mac/drawingml/2011/main" xmlns="" val="1"/>
+              </a:ext>
+            </a:extLst>
+          </p:spPr>
+          <p:txBody>
+            <a:bodyPr wrap="square" lIns="35719" tIns="35719" rIns="35719" bIns="35719" numCol="1" anchor="ctr">
+              <a:noAutofit/>
+            </a:bodyPr>
+            <a:lstStyle>
+              <a:lvl1pPr>
+                <a:defRPr sz="2400" b="1">
+                  <a:solidFill>
+                    <a:srgbClr val="FFFFFF"/>
+                  </a:solidFill>
+                  <a:latin typeface="Helvetica"/>
+                  <a:ea typeface="Helvetica"/>
+                  <a:cs typeface="Helvetica"/>
+                  <a:sym typeface="Helvetica"/>
+                </a:defRPr>
+              </a:lvl1pPr>
+            </a:lstStyle>
+            <a:p>
+              <a:r>
+                <a:rPr sz="1687" dirty="0"/>
+                <a:t>Do this!</a:t>
+              </a:r>
+            </a:p>
+          </p:txBody>
+        </p:sp>
+        <p:sp>
+          <p:nvSpPr>
+            <p:cNvPr id="503" name="Further code"/>
+            <p:cNvSpPr/>
+            <p:nvPr/>
+          </p:nvSpPr>
+          <p:spPr>
+            <a:xfrm>
+              <a:off x="527441" y="4446935"/>
+              <a:ext cx="6482922" cy="772783"/>
+            </a:xfrm>
+            <a:prstGeom prst="rect">
+              <a:avLst/>
+            </a:prstGeom>
+            <a:blipFill rotWithShape="1">
+              <a:blip r:embed="rId3"/>
+              <a:srcRect/>
+              <a:tile tx="0" ty="0" sx="100000" sy="100000" flip="none" algn="tl"/>
+            </a:blipFill>
+            <a:ln w="12700" cap="flat">
+              <a:noFill/>
+              <a:miter lim="400000"/>
+            </a:ln>
+            <a:effectLst>
+              <a:outerShdw blurRad="38100" dist="25400" dir="5400000" rotWithShape="0">
+                <a:srgbClr val="000000">
+                  <a:alpha val="50000"/>
+                </a:srgbClr>
+              </a:outerShdw>
+            </a:effectLst>
+            <a:extLst>
+              <a:ext uri="{C572A759-6A51-4108-AA02-DFA0A04FC94B}">
+                <ma14:wrappingTextBoxFlag xmlns:ma14="http://schemas.microsoft.com/office/mac/drawingml/2011/main" xmlns="" val="1"/>
+              </a:ext>
+            </a:extLst>
+          </p:spPr>
+          <p:txBody>
+            <a:bodyPr wrap="square" lIns="35719" tIns="35719" rIns="35719" bIns="35719" numCol="1" anchor="ctr">
+              <a:noAutofit/>
+            </a:bodyPr>
+            <a:lstStyle>
+              <a:lvl1pPr>
+                <a:defRPr sz="2400" b="1">
+                  <a:solidFill>
+                    <a:srgbClr val="FFFFFF"/>
+                  </a:solidFill>
+                  <a:latin typeface="Helvetica"/>
+                  <a:ea typeface="Helvetica"/>
+                  <a:cs typeface="Helvetica"/>
+                  <a:sym typeface="Helvetica"/>
+                </a:defRPr>
+              </a:lvl1pPr>
+            </a:lstStyle>
+            <a:p>
+              <a:pPr algn="ctr"/>
+              <a:r>
+                <a:rPr sz="1687" dirty="0"/>
+                <a:t>Further code</a:t>
+              </a:r>
+            </a:p>
+          </p:txBody>
+        </p:sp>
+        <p:sp>
+          <p:nvSpPr>
+            <p:cNvPr id="504" name="Arrow"/>
+            <p:cNvSpPr/>
+            <p:nvPr/>
+          </p:nvSpPr>
+          <p:spPr>
+            <a:xfrm rot="5400026">
+              <a:off x="921752" y="3601596"/>
+              <a:ext cx="829990" cy="830004"/>
+            </a:xfrm>
+            <a:prstGeom prst="rightArrow">
+              <a:avLst>
+                <a:gd name="adj1" fmla="val 32000"/>
+                <a:gd name="adj2" fmla="val 64000"/>
+              </a:avLst>
+            </a:prstGeom>
+            <a:blipFill rotWithShape="1">
+              <a:blip r:embed="rId3"/>
+              <a:srcRect/>
+              <a:tile tx="0" ty="0" sx="100000" sy="100000" flip="none" algn="tl"/>
+            </a:blipFill>
+            <a:ln w="12700" cap="flat">
+              <a:noFill/>
+              <a:miter lim="400000"/>
+            </a:ln>
+            <a:effectLst>
+              <a:outerShdw blurRad="38100" dist="25400" dir="5400000" rotWithShape="0">
+                <a:srgbClr val="000000">
+                  <a:alpha val="50000"/>
+                </a:srgbClr>
+              </a:outerShdw>
+            </a:effectLst>
+          </p:spPr>
+          <p:txBody>
+            <a:bodyPr wrap="square" lIns="35719" tIns="35719" rIns="35719" bIns="35719" numCol="1" anchor="ctr">
+              <a:noAutofit/>
+            </a:bodyPr>
+            <a:lstStyle/>
+            <a:p>
+              <a:pPr>
+                <a:defRPr sz="2500">
+                  <a:solidFill>
+                    <a:srgbClr val="FFFFFF"/>
+                  </a:solidFill>
+                </a:defRPr>
+              </a:pPr>
+              <a:endParaRPr sz="1758"/>
+            </a:p>
+          </p:txBody>
+        </p:sp>
+        <p:sp>
+          <p:nvSpPr>
+            <p:cNvPr id="505" name="Do that!"/>
+            <p:cNvSpPr/>
+            <p:nvPr/>
+          </p:nvSpPr>
+          <p:spPr>
+            <a:xfrm>
+              <a:off x="2708224" y="2451673"/>
+              <a:ext cx="1436492" cy="1205284"/>
+            </a:xfrm>
+            <a:prstGeom prst="rect">
+              <a:avLst/>
+            </a:prstGeom>
+            <a:blipFill rotWithShape="1">
+              <a:blip r:embed="rId3"/>
+              <a:srcRect/>
+              <a:tile tx="0" ty="0" sx="100000" sy="100000" flip="none" algn="tl"/>
+            </a:blipFill>
+            <a:ln w="12700" cap="flat">
+              <a:noFill/>
+              <a:miter lim="400000"/>
+            </a:ln>
+            <a:effectLst>
+              <a:outerShdw blurRad="38100" dist="25400" dir="5400000" rotWithShape="0">
+                <a:srgbClr val="000000">
+                  <a:alpha val="50000"/>
+                </a:srgbClr>
+              </a:outerShdw>
+            </a:effectLst>
+            <a:extLst>
+              <a:ext uri="{C572A759-6A51-4108-AA02-DFA0A04FC94B}">
+                <ma14:wrappingTextBoxFlag xmlns:ma14="http://schemas.microsoft.com/office/mac/drawingml/2011/main" xmlns="" val="1"/>
+              </a:ext>
+            </a:extLst>
+          </p:spPr>
+          <p:txBody>
+            <a:bodyPr wrap="square" lIns="35719" tIns="35719" rIns="35719" bIns="35719" numCol="1" anchor="ctr">
+              <a:noAutofit/>
+            </a:bodyPr>
+            <a:lstStyle>
+              <a:lvl1pPr>
+                <a:defRPr sz="2400" b="1">
+                  <a:solidFill>
+                    <a:srgbClr val="FFFFFF"/>
+                  </a:solidFill>
+                  <a:latin typeface="Helvetica"/>
+                  <a:ea typeface="Helvetica"/>
+                  <a:cs typeface="Helvetica"/>
+                  <a:sym typeface="Helvetica"/>
+                </a:defRPr>
+              </a:lvl1pPr>
+            </a:lstStyle>
+            <a:p>
+              <a:r>
+                <a:rPr sz="1687" dirty="0"/>
+                <a:t>Do that!</a:t>
+              </a:r>
+            </a:p>
+          </p:txBody>
+        </p:sp>
+        <p:sp>
+          <p:nvSpPr>
+            <p:cNvPr id="506" name="Arrow"/>
+            <p:cNvSpPr/>
+            <p:nvPr/>
+          </p:nvSpPr>
+          <p:spPr>
+            <a:xfrm rot="5400026">
+              <a:off x="921758" y="1644064"/>
+              <a:ext cx="829977" cy="829977"/>
+            </a:xfrm>
+            <a:prstGeom prst="rightArrow">
+              <a:avLst>
+                <a:gd name="adj1" fmla="val 32000"/>
+                <a:gd name="adj2" fmla="val 64000"/>
+              </a:avLst>
+            </a:prstGeom>
+            <a:blipFill rotWithShape="1">
+              <a:blip r:embed="rId3"/>
+              <a:srcRect/>
+              <a:tile tx="0" ty="0" sx="100000" sy="100000" flip="none" algn="tl"/>
+            </a:blipFill>
+            <a:ln w="12700" cap="flat">
+              <a:noFill/>
+              <a:miter lim="400000"/>
+            </a:ln>
+            <a:effectLst>
+              <a:outerShdw blurRad="38100" dist="25400" dir="5400000" rotWithShape="0">
+                <a:srgbClr val="000000">
+                  <a:alpha val="50000"/>
+                </a:srgbClr>
+              </a:outerShdw>
+            </a:effectLst>
+          </p:spPr>
+          <p:txBody>
+            <a:bodyPr wrap="square" lIns="35719" tIns="35719" rIns="35719" bIns="35719" numCol="1" anchor="ctr">
+              <a:noAutofit/>
+            </a:bodyPr>
+            <a:lstStyle/>
+            <a:p>
+              <a:pPr>
+                <a:defRPr sz="2400">
+                  <a:solidFill>
+                    <a:srgbClr val="FFFFFF"/>
+                  </a:solidFill>
+                </a:defRPr>
+              </a:pPr>
+              <a:endParaRPr sz="1687"/>
+            </a:p>
+          </p:txBody>
+        </p:sp>
+        <p:sp>
+          <p:nvSpPr>
+            <p:cNvPr id="507" name="Arrow"/>
+            <p:cNvSpPr/>
+            <p:nvPr/>
+          </p:nvSpPr>
+          <p:spPr>
+            <a:xfrm>
+              <a:off x="1963933" y="860454"/>
+              <a:ext cx="829989" cy="830005"/>
+            </a:xfrm>
+            <a:prstGeom prst="rightArrow">
+              <a:avLst>
+                <a:gd name="adj1" fmla="val 32000"/>
+                <a:gd name="adj2" fmla="val 64000"/>
+              </a:avLst>
+            </a:prstGeom>
+            <a:blipFill rotWithShape="1">
+              <a:blip r:embed="rId3"/>
+              <a:srcRect/>
+              <a:tile tx="0" ty="0" sx="100000" sy="100000" flip="none" algn="tl"/>
+            </a:blipFill>
+            <a:ln w="12700" cap="flat">
+              <a:noFill/>
+              <a:miter lim="400000"/>
+            </a:ln>
+            <a:effectLst>
+              <a:outerShdw blurRad="38100" dist="25400" dir="5400000" rotWithShape="0">
+                <a:srgbClr val="000000">
+                  <a:alpha val="50000"/>
+                </a:srgbClr>
+              </a:outerShdw>
+            </a:effectLst>
+          </p:spPr>
+          <p:txBody>
+            <a:bodyPr wrap="square" lIns="35719" tIns="35719" rIns="35719" bIns="35719" numCol="1" anchor="ctr">
+              <a:noAutofit/>
+            </a:bodyPr>
+            <a:lstStyle/>
+            <a:p>
+              <a:pPr>
+                <a:defRPr sz="2500">
+                  <a:solidFill>
+                    <a:srgbClr val="FFFFFF"/>
+                  </a:solidFill>
+                </a:defRPr>
+              </a:pPr>
+              <a:endParaRPr sz="1758"/>
+            </a:p>
+          </p:txBody>
+        </p:sp>
+      </p:grpSp>
+      <p:sp>
+        <p:nvSpPr>
+          <p:cNvPr id="2" name="TextBox 1"/>
+          <p:cNvSpPr txBox="1"/>
+          <p:nvPr/>
+        </p:nvSpPr>
+        <p:spPr>
+          <a:xfrm>
+            <a:off x="7653782" y="1468690"/>
+            <a:ext cx="797145" cy="646331"/>
+          </a:xfrm>
+          <a:prstGeom prst="rect">
+            <a:avLst/>
+          </a:prstGeom>
+          <a:noFill/>
+        </p:spPr>
+        <p:txBody>
+          <a:bodyPr wrap="square" rtlCol="0">
+            <a:spAutoFit/>
+          </a:bodyPr>
+          <a:lstStyle/>
+          <a:p>
+            <a:r>
+              <a:rPr lang="en-US" dirty="0">
+                <a:solidFill>
+                  <a:schemeClr val="accent2"/>
+                </a:solidFill>
+              </a:rPr>
+              <a:t>if </a:t>
+            </a:r>
+          </a:p>
+          <a:p>
+            <a:r>
+              <a:rPr lang="en-US" dirty="0"/>
+              <a:t>True</a:t>
+            </a:r>
+          </a:p>
+        </p:txBody>
+      </p:sp>
+      <p:sp>
+        <p:nvSpPr>
+          <p:cNvPr id="24" name="TextBox 23"/>
+          <p:cNvSpPr txBox="1"/>
+          <p:nvPr/>
+        </p:nvSpPr>
+        <p:spPr>
+          <a:xfrm>
+            <a:off x="9323172" y="472864"/>
+            <a:ext cx="1155775" cy="646331"/>
+          </a:xfrm>
+          <a:prstGeom prst="rect">
+            <a:avLst/>
+          </a:prstGeom>
+          <a:noFill/>
+        </p:spPr>
+        <p:txBody>
+          <a:bodyPr wrap="square" rtlCol="0">
+            <a:spAutoFit/>
+          </a:bodyPr>
+          <a:lstStyle/>
+          <a:p>
+            <a:r>
+              <a:rPr lang="en-US" dirty="0">
+                <a:solidFill>
+                  <a:schemeClr val="accent2"/>
+                </a:solidFill>
+              </a:rPr>
+              <a:t>else</a:t>
+            </a:r>
+            <a:endParaRPr lang="en-US" dirty="0"/>
+          </a:p>
+          <a:p>
+            <a:endParaRPr lang="en-US" dirty="0">
+              <a:solidFill>
+                <a:schemeClr val="accent2"/>
+              </a:solidFill>
+            </a:endParaRPr>
+          </a:p>
+        </p:txBody>
+      </p:sp>
+      <p:sp>
+        <p:nvSpPr>
+          <p:cNvPr id="23" name="Rounded Rectangle"/>
+          <p:cNvSpPr/>
+          <p:nvPr/>
+        </p:nvSpPr>
+        <p:spPr>
+          <a:xfrm>
+            <a:off x="2667790" y="3371864"/>
+            <a:ext cx="815276" cy="314214"/>
+          </a:xfrm>
+          <a:prstGeom prst="roundRect">
+            <a:avLst>
+              <a:gd name="adj" fmla="val 33774"/>
+            </a:avLst>
+          </a:prstGeom>
+          <a:noFill/>
+          <a:ln w="38100" cap="flat">
+            <a:solidFill>
+              <a:schemeClr val="accent2"/>
+            </a:solidFill>
+            <a:prstDash val="solid"/>
+            <a:miter lim="400000"/>
+          </a:ln>
+          <a:effectLst>
+            <a:outerShdw blurRad="38100" dist="25400" dir="5400000" rotWithShape="0">
+              <a:srgbClr val="000000">
+                <a:alpha val="50000"/>
+              </a:srgbClr>
+            </a:outerShdw>
+          </a:effectLst>
+        </p:spPr>
+        <p:txBody>
+          <a:bodyPr wrap="square" lIns="35719" tIns="35719" rIns="35719" bIns="35719" numCol="1" anchor="ctr">
+            <a:noAutofit/>
+          </a:bodyPr>
+          <a:lstStyle/>
+          <a:p>
+            <a:pPr>
+              <a:defRPr sz="2400">
+                <a:solidFill>
+                  <a:srgbClr val="FFFFFF"/>
+                </a:solidFill>
+              </a:defRPr>
+            </a:pPr>
+            <a:endParaRPr sz="1687"/>
+          </a:p>
+        </p:txBody>
+      </p:sp>
+      <p:sp>
+        <p:nvSpPr>
+          <p:cNvPr id="25" name="TextBox 24"/>
+          <p:cNvSpPr txBox="1"/>
+          <p:nvPr/>
+        </p:nvSpPr>
+        <p:spPr>
+          <a:xfrm>
+            <a:off x="2437325" y="2497611"/>
+            <a:ext cx="1313748" cy="369332"/>
+          </a:xfrm>
+          <a:prstGeom prst="rect">
+            <a:avLst/>
+          </a:prstGeom>
+          <a:noFill/>
+        </p:spPr>
+        <p:txBody>
+          <a:bodyPr wrap="square" rtlCol="0">
+            <a:spAutoFit/>
+          </a:bodyPr>
+          <a:lstStyle/>
+          <a:p>
+            <a:r>
+              <a:rPr lang="en-US" b="1" i="1" dirty="0">
+                <a:solidFill>
+                  <a:schemeClr val="accent2"/>
+                </a:solidFill>
+              </a:rPr>
+              <a:t>conditional</a:t>
+            </a:r>
+          </a:p>
+        </p:txBody>
+      </p:sp>
+      <p:cxnSp>
+        <p:nvCxnSpPr>
+          <p:cNvPr id="26" name="Straight Arrow Connector 25"/>
+          <p:cNvCxnSpPr/>
+          <p:nvPr/>
+        </p:nvCxnSpPr>
+        <p:spPr>
+          <a:xfrm>
+            <a:off x="3013826" y="2802633"/>
+            <a:ext cx="0" cy="532265"/>
+          </a:xfrm>
+          <a:prstGeom prst="straightConnector1">
+            <a:avLst/>
+          </a:prstGeom>
+          <a:ln>
+            <a:solidFill>
+              <a:schemeClr val="accent2"/>
+            </a:solidFill>
+            <a:tailEnd type="triangle"/>
+          </a:ln>
+        </p:spPr>
+        <p:style>
+          <a:lnRef idx="1">
+            <a:schemeClr val="accent1"/>
+          </a:lnRef>
+          <a:fillRef idx="0">
+            <a:schemeClr val="accent1"/>
+          </a:fillRef>
+          <a:effectRef idx="0">
+            <a:schemeClr val="accent1"/>
+          </a:effectRef>
+          <a:fontRef idx="minor">
+            <a:schemeClr val="tx1"/>
+          </a:fontRef>
+        </p:style>
+      </p:cxnSp>
+      <p:sp>
+        <p:nvSpPr>
+          <p:cNvPr id="27" name="TextBox 26"/>
+          <p:cNvSpPr txBox="1"/>
+          <p:nvPr/>
+        </p:nvSpPr>
+        <p:spPr>
+          <a:xfrm>
+            <a:off x="502352" y="3609663"/>
+            <a:ext cx="1313748" cy="369332"/>
+          </a:xfrm>
+          <a:prstGeom prst="rect">
+            <a:avLst/>
+          </a:prstGeom>
+          <a:noFill/>
+        </p:spPr>
+        <p:txBody>
+          <a:bodyPr wrap="square" rtlCol="0">
+            <a:spAutoFit/>
+          </a:bodyPr>
+          <a:lstStyle/>
+          <a:p>
+            <a:r>
+              <a:rPr lang="en-US" b="1" i="1" dirty="0">
+                <a:solidFill>
+                  <a:schemeClr val="accent2"/>
+                </a:solidFill>
+              </a:rPr>
+              <a:t>indentation</a:t>
+            </a:r>
+          </a:p>
+        </p:txBody>
+      </p:sp>
+      <p:cxnSp>
+        <p:nvCxnSpPr>
+          <p:cNvPr id="28" name="Straight Arrow Connector 27"/>
+          <p:cNvCxnSpPr/>
+          <p:nvPr/>
+        </p:nvCxnSpPr>
+        <p:spPr>
+          <a:xfrm rot="16200000" flipV="1">
+            <a:off x="4080884" y="3755218"/>
+            <a:ext cx="0" cy="532265"/>
+          </a:xfrm>
+          <a:prstGeom prst="straightConnector1">
+            <a:avLst/>
+          </a:prstGeom>
+          <a:ln>
+            <a:solidFill>
+              <a:schemeClr val="accent2"/>
+            </a:solidFill>
+            <a:tailEnd type="triangle"/>
+          </a:ln>
+        </p:spPr>
+        <p:style>
+          <a:lnRef idx="1">
+            <a:schemeClr val="accent1"/>
+          </a:lnRef>
+          <a:fillRef idx="0">
+            <a:schemeClr val="accent1"/>
+          </a:fillRef>
+          <a:effectRef idx="0">
+            <a:schemeClr val="accent1"/>
+          </a:effectRef>
+          <a:fontRef idx="minor">
+            <a:schemeClr val="tx1"/>
+          </a:fontRef>
+        </p:style>
+      </p:cxnSp>
+      <p:sp>
+        <p:nvSpPr>
+          <p:cNvPr id="29" name="Rounded Rectangle"/>
+          <p:cNvSpPr/>
+          <p:nvPr/>
+        </p:nvSpPr>
+        <p:spPr>
+          <a:xfrm>
+            <a:off x="2390442" y="3357734"/>
+            <a:ext cx="278886" cy="358398"/>
+          </a:xfrm>
+          <a:prstGeom prst="roundRect">
+            <a:avLst>
+              <a:gd name="adj" fmla="val 33774"/>
+            </a:avLst>
+          </a:prstGeom>
+          <a:noFill/>
+          <a:ln w="38100" cap="flat">
+            <a:solidFill>
+              <a:schemeClr val="accent2"/>
+            </a:solidFill>
+            <a:prstDash val="solid"/>
+            <a:miter lim="400000"/>
+          </a:ln>
+          <a:effectLst>
+            <a:outerShdw blurRad="38100" dist="25400" dir="5400000" rotWithShape="0">
+              <a:srgbClr val="000000">
+                <a:alpha val="50000"/>
+              </a:srgbClr>
+            </a:outerShdw>
+          </a:effectLst>
+        </p:spPr>
+        <p:txBody>
+          <a:bodyPr wrap="square" lIns="35719" tIns="35719" rIns="35719" bIns="35719" numCol="1" anchor="ctr">
+            <a:noAutofit/>
+          </a:bodyPr>
+          <a:lstStyle/>
+          <a:p>
+            <a:pPr>
+              <a:defRPr sz="2400">
+                <a:solidFill>
+                  <a:srgbClr val="FFFFFF"/>
+                </a:solidFill>
+              </a:defRPr>
+            </a:pPr>
+            <a:endParaRPr sz="1687"/>
+          </a:p>
+        </p:txBody>
+      </p:sp>
+      <p:cxnSp>
+        <p:nvCxnSpPr>
+          <p:cNvPr id="32" name="Straight Arrow Connector 31"/>
+          <p:cNvCxnSpPr>
+            <a:cxnSpLocks/>
+          </p:cNvCxnSpPr>
+          <p:nvPr/>
+        </p:nvCxnSpPr>
+        <p:spPr>
+          <a:xfrm>
+            <a:off x="1769467" y="3794329"/>
+            <a:ext cx="618392" cy="1"/>
+          </a:xfrm>
+          <a:prstGeom prst="straightConnector1">
+            <a:avLst/>
+          </a:prstGeom>
+          <a:ln>
+            <a:solidFill>
+              <a:schemeClr val="accent2"/>
+            </a:solidFill>
+            <a:tailEnd type="triangle"/>
+          </a:ln>
+        </p:spPr>
+        <p:style>
+          <a:lnRef idx="1">
+            <a:schemeClr val="accent1"/>
+          </a:lnRef>
+          <a:fillRef idx="0">
+            <a:schemeClr val="accent1"/>
+          </a:fillRef>
+          <a:effectRef idx="0">
+            <a:schemeClr val="accent1"/>
+          </a:effectRef>
+          <a:fontRef idx="minor">
+            <a:schemeClr val="tx1"/>
+          </a:fontRef>
+        </p:style>
+      </p:cxnSp>
+      <p:sp>
+        <p:nvSpPr>
+          <p:cNvPr id="35" name="Rounded Rectangle"/>
+          <p:cNvSpPr/>
+          <p:nvPr/>
+        </p:nvSpPr>
+        <p:spPr>
+          <a:xfrm>
+            <a:off x="2387859" y="3837844"/>
+            <a:ext cx="510248" cy="358398"/>
+          </a:xfrm>
+          <a:prstGeom prst="roundRect">
+            <a:avLst>
+              <a:gd name="adj" fmla="val 33774"/>
+            </a:avLst>
+          </a:prstGeom>
+          <a:noFill/>
+          <a:ln w="38100" cap="flat">
+            <a:solidFill>
+              <a:schemeClr val="accent2"/>
+            </a:solidFill>
+            <a:prstDash val="solid"/>
+            <a:miter lim="400000"/>
+          </a:ln>
+          <a:effectLst>
+            <a:outerShdw blurRad="38100" dist="25400" dir="5400000" rotWithShape="0">
+              <a:srgbClr val="000000">
+                <a:alpha val="50000"/>
+              </a:srgbClr>
+            </a:outerShdw>
+          </a:effectLst>
+        </p:spPr>
+        <p:txBody>
+          <a:bodyPr wrap="square" lIns="35719" tIns="35719" rIns="35719" bIns="35719" numCol="1" anchor="ctr">
+            <a:noAutofit/>
+          </a:bodyPr>
+          <a:lstStyle/>
+          <a:p>
+            <a:pPr>
+              <a:defRPr sz="2400">
+                <a:solidFill>
+                  <a:srgbClr val="FFFFFF"/>
+                </a:solidFill>
+              </a:defRPr>
+            </a:pPr>
+            <a:endParaRPr sz="1687"/>
+          </a:p>
+        </p:txBody>
+      </p:sp>
+      <p:sp>
+        <p:nvSpPr>
+          <p:cNvPr id="37" name="If... then... else...: Runs the block of code under “then” only if the condition is true. Runs the “else” code otherwise.">
+            <a:extLst>
+              <a:ext uri="{FF2B5EF4-FFF2-40B4-BE49-F238E27FC236}">
+                <a16:creationId xmlns:a16="http://schemas.microsoft.com/office/drawing/2014/main" id="{0C37BE6F-1AB0-E646-B129-58FFCEE56E85}"/>
+              </a:ext>
+            </a:extLst>
+          </p:cNvPr>
+          <p:cNvSpPr txBox="1"/>
+          <p:nvPr/>
+        </p:nvSpPr>
+        <p:spPr>
+          <a:xfrm>
+            <a:off x="6805936" y="4355633"/>
+            <a:ext cx="4871204" cy="2243371"/>
+          </a:xfrm>
+          <a:prstGeom prst="rect">
+            <a:avLst/>
+          </a:prstGeom>
+          <a:ln w="12700">
+            <a:miter lim="400000"/>
+          </a:ln>
+          <a:extLst>
+            <a:ext uri="{C572A759-6A51-4108-AA02-DFA0A04FC94B}">
+              <ma14:wrappingTextBoxFlag xmlns:ma14="http://schemas.microsoft.com/office/mac/drawingml/2011/main" xmlns="" val="1"/>
+            </a:ext>
+          </a:extLst>
+        </p:spPr>
+        <p:txBody>
+          <a:bodyPr lIns="35719" tIns="35719" rIns="35719" bIns="35719" anchor="ctr">
+            <a:spAutoFit/>
+          </a:bodyPr>
+          <a:lstStyle/>
+          <a:p>
+            <a:pPr algn="ctr" defTabSz="321457">
+              <a:spcBef>
+                <a:spcPts val="844"/>
+              </a:spcBef>
+              <a:defRPr sz="3000"/>
+            </a:pPr>
+            <a:r>
+              <a:rPr sz="2109" b="1" dirty="0">
+                <a:latin typeface="Helvetica"/>
+                <a:ea typeface="Helvetica"/>
+                <a:cs typeface="Helvetica"/>
+                <a:sym typeface="Helvetica"/>
+              </a:rPr>
+              <a:t>If... </a:t>
+            </a:r>
+            <a:r>
+              <a:rPr lang="en-US" sz="2109" b="1" dirty="0" err="1">
+                <a:latin typeface="Helvetica"/>
+                <a:ea typeface="Helvetica"/>
+                <a:cs typeface="Helvetica"/>
+                <a:sym typeface="Helvetica"/>
+              </a:rPr>
+              <a:t>elif</a:t>
+            </a:r>
+            <a:r>
+              <a:rPr lang="en-US" sz="2109" b="1" dirty="0">
+                <a:latin typeface="Helvetica"/>
+                <a:ea typeface="Helvetica"/>
+                <a:cs typeface="Helvetica"/>
+                <a:sym typeface="Helvetica"/>
+              </a:rPr>
+              <a:t>.. </a:t>
+            </a:r>
+            <a:r>
+              <a:rPr sz="2109" b="1" dirty="0">
+                <a:latin typeface="Helvetica"/>
+                <a:ea typeface="Helvetica"/>
+                <a:cs typeface="Helvetica"/>
+                <a:sym typeface="Helvetica"/>
+              </a:rPr>
+              <a:t>else...</a:t>
+            </a:r>
+            <a:r>
+              <a:rPr sz="2109" dirty="0"/>
+              <a:t> </a:t>
+            </a:r>
+            <a:endParaRPr lang="en-US" sz="2109" dirty="0"/>
+          </a:p>
+          <a:p>
+            <a:pPr algn="just" defTabSz="321457">
+              <a:spcBef>
+                <a:spcPts val="844"/>
+              </a:spcBef>
+              <a:defRPr sz="3000"/>
+            </a:pPr>
+            <a:r>
+              <a:rPr sz="2000" dirty="0"/>
+              <a:t>Runs the block of code under “</a:t>
+            </a:r>
+            <a:r>
+              <a:rPr lang="en-US" sz="2000" dirty="0"/>
+              <a:t>if</a:t>
+            </a:r>
+            <a:r>
+              <a:rPr sz="2000" dirty="0"/>
+              <a:t>” only if the condition is true. </a:t>
+            </a:r>
+            <a:endParaRPr lang="en-US" sz="2000" dirty="0"/>
+          </a:p>
+          <a:p>
+            <a:pPr algn="just" defTabSz="321457">
+              <a:spcBef>
+                <a:spcPts val="844"/>
+              </a:spcBef>
+              <a:defRPr sz="3000"/>
+            </a:pPr>
+            <a:r>
+              <a:rPr lang="en-US" sz="2000" dirty="0"/>
+              <a:t>Otherwise, runs the block of code under “</a:t>
+            </a:r>
+            <a:r>
+              <a:rPr lang="en-US" sz="2000" dirty="0" err="1"/>
+              <a:t>elif</a:t>
+            </a:r>
+            <a:r>
+              <a:rPr lang="en-US" sz="2000" dirty="0"/>
+              <a:t>” only if the condition is true. </a:t>
+            </a:r>
+          </a:p>
+          <a:p>
+            <a:pPr algn="just" defTabSz="321457">
+              <a:spcBef>
+                <a:spcPts val="844"/>
+              </a:spcBef>
+              <a:defRPr sz="3000"/>
+            </a:pPr>
+            <a:r>
+              <a:rPr lang="en-US" sz="2000" dirty="0"/>
+              <a:t>Otherwise, r</a:t>
+            </a:r>
+            <a:r>
+              <a:rPr sz="2000" dirty="0"/>
+              <a:t>uns the “else” code otherwise.</a:t>
+            </a:r>
+          </a:p>
+        </p:txBody>
+      </p:sp>
+      <p:sp>
+        <p:nvSpPr>
+          <p:cNvPr id="38" name="Conditional Statements">
+            <a:extLst>
+              <a:ext uri="{FF2B5EF4-FFF2-40B4-BE49-F238E27FC236}">
+                <a16:creationId xmlns:a16="http://schemas.microsoft.com/office/drawing/2014/main" id="{7E96D47A-4C0B-A541-9AC0-CE6A748F15B3}"/>
+              </a:ext>
+            </a:extLst>
+          </p:cNvPr>
+          <p:cNvSpPr txBox="1">
+            <a:spLocks/>
+          </p:cNvSpPr>
+          <p:nvPr/>
+        </p:nvSpPr>
+        <p:spPr>
+          <a:xfrm>
+            <a:off x="354230" y="23152"/>
+            <a:ext cx="10515600" cy="1325563"/>
+          </a:xfrm>
+          <a:prstGeom prst="rect">
+            <a:avLst/>
+          </a:prstGeom>
+        </p:spPr>
+        <p:txBody>
+          <a:bodyPr vert="horz" lIns="91440" tIns="45720" rIns="91440" bIns="45720" rtlCol="0" anchor="ctr">
+            <a:normAutofit/>
+          </a:bodyPr>
+          <a:lstStyle>
+            <a:lvl1pPr algn="l" defTabSz="914400" rtl="0" eaLnBrk="1" latinLnBrk="0" hangingPunct="1">
+              <a:lnSpc>
+                <a:spcPct val="90000"/>
+              </a:lnSpc>
+              <a:spcBef>
+                <a:spcPct val="0"/>
+              </a:spcBef>
+              <a:buNone/>
+              <a:defRPr sz="4400" kern="1200">
+                <a:solidFill>
+                  <a:schemeClr val="tx1"/>
+                </a:solidFill>
+                <a:latin typeface="+mj-lt"/>
+                <a:ea typeface="+mj-ea"/>
+                <a:cs typeface="+mj-cs"/>
+              </a:defRPr>
+            </a:lvl1pPr>
+          </a:lstStyle>
+          <a:p>
+            <a:r>
+              <a:rPr lang="en-US" dirty="0"/>
+              <a:t>Conditional Statements</a:t>
+            </a:r>
+          </a:p>
+        </p:txBody>
+      </p:sp>
+      <p:sp>
+        <p:nvSpPr>
+          <p:cNvPr id="41" name="x &gt; 10">
+            <a:extLst>
+              <a:ext uri="{FF2B5EF4-FFF2-40B4-BE49-F238E27FC236}">
+                <a16:creationId xmlns:a16="http://schemas.microsoft.com/office/drawing/2014/main" id="{E1E76758-83A2-1B4B-97E1-C0F31B40157E}"/>
+              </a:ext>
+            </a:extLst>
+          </p:cNvPr>
+          <p:cNvSpPr/>
+          <p:nvPr/>
+        </p:nvSpPr>
+        <p:spPr>
+          <a:xfrm>
+            <a:off x="8450927" y="937129"/>
+            <a:ext cx="854969" cy="583578"/>
+          </a:xfrm>
+          <a:prstGeom prst="rect">
+            <a:avLst/>
+          </a:prstGeom>
+          <a:blipFill rotWithShape="1">
+            <a:blip r:embed="rId3"/>
+            <a:srcRect/>
+            <a:tile tx="0" ty="0" sx="100000" sy="100000" flip="none" algn="tl"/>
+          </a:blipFill>
+          <a:ln w="12700" cap="flat">
+            <a:noFill/>
+            <a:miter lim="400000"/>
+          </a:ln>
+          <a:effectLst>
+            <a:outerShdw blurRad="38100" dist="25400" dir="5400000" rotWithShape="0">
+              <a:srgbClr val="000000">
+                <a:alpha val="50000"/>
+              </a:srgbClr>
+            </a:outerShdw>
+          </a:effectLst>
+          <a:extLst>
+            <a:ext uri="{C572A759-6A51-4108-AA02-DFA0A04FC94B}">
+              <ma14:wrappingTextBoxFlag xmlns:ma14="http://schemas.microsoft.com/office/mac/drawingml/2011/main" xmlns="" val="1"/>
+            </a:ext>
+          </a:extLst>
+        </p:spPr>
+        <p:txBody>
+          <a:bodyPr wrap="square" lIns="35719" tIns="35719" rIns="35719" bIns="35719" numCol="1" anchor="ctr">
+            <a:noAutofit/>
+          </a:bodyPr>
+          <a:lstStyle>
+            <a:lvl1pPr>
+              <a:defRPr sz="2400" b="1">
+                <a:solidFill>
+                  <a:srgbClr val="FFFFFF"/>
+                </a:solidFill>
+                <a:latin typeface="Helvetica"/>
+                <a:ea typeface="Helvetica"/>
+                <a:cs typeface="Helvetica"/>
+                <a:sym typeface="Helvetica"/>
+              </a:defRPr>
+            </a:lvl1pPr>
+          </a:lstStyle>
+          <a:p>
+            <a:pPr algn="ctr"/>
+            <a:r>
+              <a:rPr sz="1687" dirty="0"/>
+              <a:t>x </a:t>
+            </a:r>
+            <a:r>
+              <a:rPr lang="en-US" sz="1687" dirty="0"/>
+              <a:t>&lt;</a:t>
+            </a:r>
+            <a:r>
+              <a:rPr sz="1687" dirty="0"/>
+              <a:t> 10</a:t>
+            </a:r>
+          </a:p>
+        </p:txBody>
+      </p:sp>
+      <p:sp>
+        <p:nvSpPr>
+          <p:cNvPr id="42" name="x &gt; 10">
+            <a:extLst>
+              <a:ext uri="{FF2B5EF4-FFF2-40B4-BE49-F238E27FC236}">
+                <a16:creationId xmlns:a16="http://schemas.microsoft.com/office/drawing/2014/main" id="{B757E07F-E318-BF4D-96B0-C517BFCE41D8}"/>
+              </a:ext>
+            </a:extLst>
+          </p:cNvPr>
+          <p:cNvSpPr/>
+          <p:nvPr/>
+        </p:nvSpPr>
+        <p:spPr>
+          <a:xfrm>
+            <a:off x="10015231" y="922183"/>
+            <a:ext cx="854969" cy="583578"/>
+          </a:xfrm>
+          <a:prstGeom prst="rect">
+            <a:avLst/>
+          </a:prstGeom>
+          <a:blipFill rotWithShape="1">
+            <a:blip r:embed="rId3"/>
+            <a:srcRect/>
+            <a:tile tx="0" ty="0" sx="100000" sy="100000" flip="none" algn="tl"/>
+          </a:blipFill>
+          <a:ln w="12700" cap="flat">
+            <a:noFill/>
+            <a:miter lim="400000"/>
+          </a:ln>
+          <a:effectLst>
+            <a:outerShdw blurRad="38100" dist="25400" dir="5400000" rotWithShape="0">
+              <a:srgbClr val="000000">
+                <a:alpha val="50000"/>
+              </a:srgbClr>
+            </a:outerShdw>
+          </a:effectLst>
+          <a:extLst>
+            <a:ext uri="{C572A759-6A51-4108-AA02-DFA0A04FC94B}">
+              <ma14:wrappingTextBoxFlag xmlns:ma14="http://schemas.microsoft.com/office/mac/drawingml/2011/main" xmlns="" val="1"/>
+            </a:ext>
+          </a:extLst>
+        </p:spPr>
+        <p:txBody>
+          <a:bodyPr wrap="square" lIns="35719" tIns="35719" rIns="35719" bIns="35719" numCol="1" anchor="ctr">
+            <a:noAutofit/>
+          </a:bodyPr>
+          <a:lstStyle>
+            <a:lvl1pPr>
+              <a:defRPr sz="2400" b="1">
+                <a:solidFill>
+                  <a:srgbClr val="FFFFFF"/>
+                </a:solidFill>
+                <a:latin typeface="Helvetica"/>
+                <a:ea typeface="Helvetica"/>
+                <a:cs typeface="Helvetica"/>
+                <a:sym typeface="Helvetica"/>
+              </a:defRPr>
+            </a:lvl1pPr>
+          </a:lstStyle>
+          <a:p>
+            <a:pPr algn="ctr"/>
+            <a:r>
+              <a:rPr sz="1687" dirty="0"/>
+              <a:t>x </a:t>
+            </a:r>
+            <a:r>
+              <a:rPr lang="en-US" sz="1687" dirty="0"/>
+              <a:t>=</a:t>
+            </a:r>
+            <a:r>
+              <a:rPr sz="1687" dirty="0"/>
+              <a:t> 10</a:t>
+            </a:r>
+          </a:p>
+        </p:txBody>
+      </p:sp>
+      <p:sp>
+        <p:nvSpPr>
+          <p:cNvPr id="3" name="Rectangle 2">
+            <a:extLst>
+              <a:ext uri="{FF2B5EF4-FFF2-40B4-BE49-F238E27FC236}">
+                <a16:creationId xmlns:a16="http://schemas.microsoft.com/office/drawing/2014/main" id="{1226FDDA-E455-1A4F-BEC7-D1FEA6F5EF38}"/>
+              </a:ext>
+            </a:extLst>
+          </p:cNvPr>
+          <p:cNvSpPr/>
+          <p:nvPr/>
+        </p:nvSpPr>
+        <p:spPr>
+          <a:xfrm>
+            <a:off x="7815390" y="690142"/>
+            <a:ext cx="652936" cy="369332"/>
+          </a:xfrm>
+          <a:prstGeom prst="rect">
+            <a:avLst/>
+          </a:prstGeom>
+        </p:spPr>
+        <p:txBody>
+          <a:bodyPr wrap="none">
+            <a:spAutoFit/>
+          </a:bodyPr>
+          <a:lstStyle/>
+          <a:p>
+            <a:r>
+              <a:rPr lang="en-US" dirty="0"/>
+              <a:t>False</a:t>
+            </a:r>
+          </a:p>
+        </p:txBody>
+      </p:sp>
+      <p:sp>
+        <p:nvSpPr>
+          <p:cNvPr id="43" name="TextBox 42">
+            <a:extLst>
+              <a:ext uri="{FF2B5EF4-FFF2-40B4-BE49-F238E27FC236}">
+                <a16:creationId xmlns:a16="http://schemas.microsoft.com/office/drawing/2014/main" id="{6B011559-92EC-064C-9E9E-9CFEB2E0D846}"/>
+              </a:ext>
+            </a:extLst>
+          </p:cNvPr>
+          <p:cNvSpPr txBox="1"/>
+          <p:nvPr/>
+        </p:nvSpPr>
+        <p:spPr>
+          <a:xfrm>
+            <a:off x="9054303" y="1475841"/>
+            <a:ext cx="1293582" cy="646331"/>
+          </a:xfrm>
+          <a:prstGeom prst="rect">
+            <a:avLst/>
+          </a:prstGeom>
+          <a:noFill/>
+        </p:spPr>
+        <p:txBody>
+          <a:bodyPr wrap="square" rtlCol="0">
+            <a:spAutoFit/>
+          </a:bodyPr>
+          <a:lstStyle/>
+          <a:p>
+            <a:r>
+              <a:rPr lang="en-US" dirty="0">
+                <a:solidFill>
+                  <a:schemeClr val="accent2"/>
+                </a:solidFill>
+              </a:rPr>
+              <a:t>else if </a:t>
+            </a:r>
+          </a:p>
+          <a:p>
+            <a:r>
+              <a:rPr lang="en-US" dirty="0"/>
+              <a:t>True</a:t>
+            </a:r>
+          </a:p>
+        </p:txBody>
+      </p:sp>
+      <p:sp>
+        <p:nvSpPr>
+          <p:cNvPr id="44" name="Arrow">
+            <a:extLst>
+              <a:ext uri="{FF2B5EF4-FFF2-40B4-BE49-F238E27FC236}">
+                <a16:creationId xmlns:a16="http://schemas.microsoft.com/office/drawing/2014/main" id="{F90B89B9-D2A6-2E4C-A107-551DE3736D98}"/>
+              </a:ext>
+            </a:extLst>
+          </p:cNvPr>
+          <p:cNvSpPr/>
+          <p:nvPr/>
+        </p:nvSpPr>
+        <p:spPr>
+          <a:xfrm>
+            <a:off x="9323172" y="973739"/>
+            <a:ext cx="707844" cy="583597"/>
+          </a:xfrm>
+          <a:prstGeom prst="rightArrow">
+            <a:avLst>
+              <a:gd name="adj1" fmla="val 32000"/>
+              <a:gd name="adj2" fmla="val 64000"/>
+            </a:avLst>
+          </a:prstGeom>
+          <a:blipFill rotWithShape="1">
+            <a:blip r:embed="rId3"/>
+            <a:srcRect/>
+            <a:tile tx="0" ty="0" sx="100000" sy="100000" flip="none" algn="tl"/>
+          </a:blipFill>
+          <a:ln w="12700" cap="flat">
+            <a:noFill/>
+            <a:miter lim="400000"/>
+          </a:ln>
+          <a:effectLst>
+            <a:outerShdw blurRad="38100" dist="25400" dir="5400000" rotWithShape="0">
+              <a:srgbClr val="000000">
+                <a:alpha val="50000"/>
+              </a:srgbClr>
+            </a:outerShdw>
+          </a:effectLst>
+        </p:spPr>
+        <p:txBody>
+          <a:bodyPr wrap="square" lIns="35719" tIns="35719" rIns="35719" bIns="35719" numCol="1" anchor="ctr">
+            <a:noAutofit/>
+          </a:bodyPr>
+          <a:lstStyle/>
+          <a:p>
+            <a:pPr>
+              <a:defRPr sz="2500">
+                <a:solidFill>
+                  <a:srgbClr val="FFFFFF"/>
+                </a:solidFill>
+              </a:defRPr>
+            </a:pPr>
+            <a:endParaRPr sz="1758"/>
+          </a:p>
+        </p:txBody>
+      </p:sp>
+      <p:sp>
+        <p:nvSpPr>
+          <p:cNvPr id="45" name="Rectangle 44">
+            <a:extLst>
+              <a:ext uri="{FF2B5EF4-FFF2-40B4-BE49-F238E27FC236}">
+                <a16:creationId xmlns:a16="http://schemas.microsoft.com/office/drawing/2014/main" id="{69C64EE2-ED4E-A740-8A63-EDB299363739}"/>
+              </a:ext>
+            </a:extLst>
+          </p:cNvPr>
+          <p:cNvSpPr/>
+          <p:nvPr/>
+        </p:nvSpPr>
+        <p:spPr>
+          <a:xfrm>
+            <a:off x="9305896" y="675480"/>
+            <a:ext cx="652936" cy="369332"/>
+          </a:xfrm>
+          <a:prstGeom prst="rect">
+            <a:avLst/>
+          </a:prstGeom>
+        </p:spPr>
+        <p:txBody>
+          <a:bodyPr wrap="none">
+            <a:spAutoFit/>
+          </a:bodyPr>
+          <a:lstStyle/>
+          <a:p>
+            <a:r>
+              <a:rPr lang="en-US" dirty="0"/>
+              <a:t>False</a:t>
+            </a:r>
+          </a:p>
+        </p:txBody>
+      </p:sp>
+      <p:sp>
+        <p:nvSpPr>
+          <p:cNvPr id="46" name="Arrow">
+            <a:extLst>
+              <a:ext uri="{FF2B5EF4-FFF2-40B4-BE49-F238E27FC236}">
+                <a16:creationId xmlns:a16="http://schemas.microsoft.com/office/drawing/2014/main" id="{B2CB8AAB-C07D-174B-BBE0-FADE48C4D99A}"/>
+              </a:ext>
+            </a:extLst>
+          </p:cNvPr>
+          <p:cNvSpPr/>
+          <p:nvPr/>
+        </p:nvSpPr>
+        <p:spPr>
+          <a:xfrm rot="5400026">
+            <a:off x="10092799" y="1507207"/>
+            <a:ext cx="583587" cy="583597"/>
+          </a:xfrm>
+          <a:prstGeom prst="rightArrow">
+            <a:avLst>
+              <a:gd name="adj1" fmla="val 32000"/>
+              <a:gd name="adj2" fmla="val 64000"/>
+            </a:avLst>
+          </a:prstGeom>
+          <a:blipFill rotWithShape="1">
+            <a:blip r:embed="rId3"/>
+            <a:srcRect/>
+            <a:tile tx="0" ty="0" sx="100000" sy="100000" flip="none" algn="tl"/>
+          </a:blipFill>
+          <a:ln w="12700" cap="flat">
+            <a:noFill/>
+            <a:miter lim="400000"/>
+          </a:ln>
+          <a:effectLst>
+            <a:outerShdw blurRad="38100" dist="25400" dir="5400000" rotWithShape="0">
+              <a:srgbClr val="000000">
+                <a:alpha val="50000"/>
+              </a:srgbClr>
+            </a:outerShdw>
+          </a:effectLst>
+        </p:spPr>
+        <p:txBody>
+          <a:bodyPr wrap="square" lIns="35719" tIns="35719" rIns="35719" bIns="35719" numCol="1" anchor="ctr">
+            <a:noAutofit/>
+          </a:bodyPr>
+          <a:lstStyle/>
+          <a:p>
+            <a:pPr>
+              <a:defRPr sz="2500">
+                <a:solidFill>
+                  <a:srgbClr val="FFFFFF"/>
+                </a:solidFill>
+              </a:defRPr>
+            </a:pPr>
+            <a:endParaRPr sz="1758"/>
+          </a:p>
+        </p:txBody>
+      </p:sp>
+      <p:sp>
+        <p:nvSpPr>
+          <p:cNvPr id="47" name="Do that!">
+            <a:extLst>
+              <a:ext uri="{FF2B5EF4-FFF2-40B4-BE49-F238E27FC236}">
+                <a16:creationId xmlns:a16="http://schemas.microsoft.com/office/drawing/2014/main" id="{C9506D22-88D1-C748-9661-B11E07B27EE1}"/>
+              </a:ext>
+            </a:extLst>
+          </p:cNvPr>
+          <p:cNvSpPr/>
+          <p:nvPr/>
+        </p:nvSpPr>
+        <p:spPr>
+          <a:xfrm>
+            <a:off x="9881818" y="2075067"/>
+            <a:ext cx="1516520" cy="847465"/>
+          </a:xfrm>
+          <a:prstGeom prst="rect">
+            <a:avLst/>
+          </a:prstGeom>
+          <a:blipFill rotWithShape="1">
+            <a:blip r:embed="rId3"/>
+            <a:srcRect/>
+            <a:tile tx="0" ty="0" sx="100000" sy="100000" flip="none" algn="tl"/>
+          </a:blipFill>
+          <a:ln w="12700" cap="flat">
+            <a:noFill/>
+            <a:miter lim="400000"/>
+          </a:ln>
+          <a:effectLst>
+            <a:outerShdw blurRad="38100" dist="25400" dir="5400000" rotWithShape="0">
+              <a:srgbClr val="000000">
+                <a:alpha val="50000"/>
+              </a:srgbClr>
+            </a:outerShdw>
+          </a:effectLst>
+          <a:extLst>
+            <a:ext uri="{C572A759-6A51-4108-AA02-DFA0A04FC94B}">
+              <ma14:wrappingTextBoxFlag xmlns:ma14="http://schemas.microsoft.com/office/mac/drawingml/2011/main" xmlns="" val="1"/>
+            </a:ext>
+          </a:extLst>
+        </p:spPr>
+        <p:txBody>
+          <a:bodyPr wrap="square" lIns="35719" tIns="35719" rIns="35719" bIns="35719" numCol="1" anchor="ctr">
+            <a:noAutofit/>
+          </a:bodyPr>
+          <a:lstStyle>
+            <a:lvl1pPr>
+              <a:defRPr sz="2400" b="1">
+                <a:solidFill>
+                  <a:srgbClr val="FFFFFF"/>
+                </a:solidFill>
+                <a:latin typeface="Helvetica"/>
+                <a:ea typeface="Helvetica"/>
+                <a:cs typeface="Helvetica"/>
+                <a:sym typeface="Helvetica"/>
+              </a:defRPr>
+            </a:lvl1pPr>
+          </a:lstStyle>
+          <a:p>
+            <a:r>
+              <a:rPr sz="1687" dirty="0"/>
+              <a:t>Do </a:t>
+            </a:r>
+            <a:r>
+              <a:rPr lang="en-US" sz="1687" dirty="0"/>
+              <a:t>something else</a:t>
+            </a:r>
+            <a:r>
+              <a:rPr sz="1687" dirty="0"/>
+              <a:t>!</a:t>
+            </a:r>
+          </a:p>
+        </p:txBody>
+      </p:sp>
+      <p:sp>
+        <p:nvSpPr>
+          <p:cNvPr id="48" name="Arrow">
+            <a:extLst>
+              <a:ext uri="{FF2B5EF4-FFF2-40B4-BE49-F238E27FC236}">
+                <a16:creationId xmlns:a16="http://schemas.microsoft.com/office/drawing/2014/main" id="{99D9022D-2546-2843-8240-5FBAABD0A410}"/>
+              </a:ext>
+            </a:extLst>
+          </p:cNvPr>
+          <p:cNvSpPr/>
+          <p:nvPr/>
+        </p:nvSpPr>
+        <p:spPr>
+          <a:xfrm rot="5400026">
+            <a:off x="8586617" y="2922529"/>
+            <a:ext cx="583587" cy="583597"/>
+          </a:xfrm>
+          <a:prstGeom prst="rightArrow">
+            <a:avLst>
+              <a:gd name="adj1" fmla="val 32000"/>
+              <a:gd name="adj2" fmla="val 64000"/>
+            </a:avLst>
+          </a:prstGeom>
+          <a:blipFill rotWithShape="1">
+            <a:blip r:embed="rId3"/>
+            <a:srcRect/>
+            <a:tile tx="0" ty="0" sx="100000" sy="100000" flip="none" algn="tl"/>
+          </a:blipFill>
+          <a:ln w="12700" cap="flat">
+            <a:noFill/>
+            <a:miter lim="400000"/>
+          </a:ln>
+          <a:effectLst>
+            <a:outerShdw blurRad="38100" dist="25400" dir="5400000" rotWithShape="0">
+              <a:srgbClr val="000000">
+                <a:alpha val="50000"/>
+              </a:srgbClr>
+            </a:outerShdw>
+          </a:effectLst>
+        </p:spPr>
+        <p:txBody>
+          <a:bodyPr wrap="square" lIns="35719" tIns="35719" rIns="35719" bIns="35719" numCol="1" anchor="ctr">
+            <a:noAutofit/>
+          </a:bodyPr>
+          <a:lstStyle/>
+          <a:p>
+            <a:pPr>
+              <a:defRPr sz="2500">
+                <a:solidFill>
+                  <a:srgbClr val="FFFFFF"/>
+                </a:solidFill>
+              </a:defRPr>
+            </a:pPr>
+            <a:endParaRPr sz="1758"/>
+          </a:p>
+        </p:txBody>
+      </p:sp>
+      <p:sp>
+        <p:nvSpPr>
+          <p:cNvPr id="49" name="Arrow">
+            <a:extLst>
+              <a:ext uri="{FF2B5EF4-FFF2-40B4-BE49-F238E27FC236}">
+                <a16:creationId xmlns:a16="http://schemas.microsoft.com/office/drawing/2014/main" id="{0C84EF7E-C352-7745-BD4C-0915C57A7A1E}"/>
+              </a:ext>
+            </a:extLst>
+          </p:cNvPr>
+          <p:cNvSpPr/>
+          <p:nvPr/>
+        </p:nvSpPr>
+        <p:spPr>
+          <a:xfrm rot="5400026">
+            <a:off x="10345993" y="2901544"/>
+            <a:ext cx="583587" cy="583597"/>
+          </a:xfrm>
+          <a:prstGeom prst="rightArrow">
+            <a:avLst>
+              <a:gd name="adj1" fmla="val 32000"/>
+              <a:gd name="adj2" fmla="val 64000"/>
+            </a:avLst>
+          </a:prstGeom>
+          <a:blipFill rotWithShape="1">
+            <a:blip r:embed="rId3"/>
+            <a:srcRect/>
+            <a:tile tx="0" ty="0" sx="100000" sy="100000" flip="none" algn="tl"/>
+          </a:blipFill>
+          <a:ln w="12700" cap="flat">
+            <a:noFill/>
+            <a:miter lim="400000"/>
+          </a:ln>
+          <a:effectLst>
+            <a:outerShdw blurRad="38100" dist="25400" dir="5400000" rotWithShape="0">
+              <a:srgbClr val="000000">
+                <a:alpha val="50000"/>
+              </a:srgbClr>
+            </a:outerShdw>
+          </a:effectLst>
+        </p:spPr>
+        <p:txBody>
+          <a:bodyPr wrap="square" lIns="35719" tIns="35719" rIns="35719" bIns="35719" numCol="1" anchor="ctr">
+            <a:noAutofit/>
+          </a:bodyPr>
+          <a:lstStyle/>
+          <a:p>
+            <a:pPr>
+              <a:defRPr sz="2500">
+                <a:solidFill>
+                  <a:srgbClr val="FFFFFF"/>
+                </a:solidFill>
+              </a:defRPr>
+            </a:pPr>
+            <a:endParaRPr sz="1758"/>
+          </a:p>
+        </p:txBody>
+      </p:sp>
+      <p:sp>
+        <p:nvSpPr>
+          <p:cNvPr id="50" name="Rounded Rectangle">
+            <a:extLst>
+              <a:ext uri="{FF2B5EF4-FFF2-40B4-BE49-F238E27FC236}">
+                <a16:creationId xmlns:a16="http://schemas.microsoft.com/office/drawing/2014/main" id="{92690104-D2D4-B441-A1C1-E7E322F1C6A4}"/>
+              </a:ext>
+            </a:extLst>
+          </p:cNvPr>
+          <p:cNvSpPr/>
+          <p:nvPr/>
+        </p:nvSpPr>
+        <p:spPr>
+          <a:xfrm>
+            <a:off x="2394650" y="4269695"/>
+            <a:ext cx="503457" cy="358398"/>
+          </a:xfrm>
+          <a:prstGeom prst="roundRect">
+            <a:avLst>
+              <a:gd name="adj" fmla="val 33774"/>
+            </a:avLst>
+          </a:prstGeom>
+          <a:noFill/>
+          <a:ln w="38100" cap="flat">
+            <a:solidFill>
+              <a:schemeClr val="accent2"/>
+            </a:solidFill>
+            <a:prstDash val="solid"/>
+            <a:miter lim="400000"/>
+          </a:ln>
+          <a:effectLst>
+            <a:outerShdw blurRad="38100" dist="25400" dir="5400000" rotWithShape="0">
+              <a:srgbClr val="000000">
+                <a:alpha val="50000"/>
+              </a:srgbClr>
+            </a:outerShdw>
+          </a:effectLst>
+        </p:spPr>
+        <p:txBody>
+          <a:bodyPr wrap="square" lIns="35719" tIns="35719" rIns="35719" bIns="35719" numCol="1" anchor="ctr">
+            <a:noAutofit/>
+          </a:bodyPr>
+          <a:lstStyle/>
+          <a:p>
+            <a:pPr>
+              <a:defRPr sz="2400">
+                <a:solidFill>
+                  <a:srgbClr val="FFFFFF"/>
+                </a:solidFill>
+              </a:defRPr>
+            </a:pPr>
+            <a:endParaRPr sz="1687"/>
+          </a:p>
+        </p:txBody>
+      </p:sp>
+      <p:sp>
+        <p:nvSpPr>
+          <p:cNvPr id="51" name="TextBox 50">
+            <a:extLst>
+              <a:ext uri="{FF2B5EF4-FFF2-40B4-BE49-F238E27FC236}">
+                <a16:creationId xmlns:a16="http://schemas.microsoft.com/office/drawing/2014/main" id="{1F42127D-A320-0F46-B873-2D4E5693CEE3}"/>
+              </a:ext>
+            </a:extLst>
+          </p:cNvPr>
+          <p:cNvSpPr txBox="1"/>
+          <p:nvPr/>
+        </p:nvSpPr>
+        <p:spPr>
+          <a:xfrm>
+            <a:off x="498765" y="4068518"/>
+            <a:ext cx="1313748" cy="369332"/>
+          </a:xfrm>
+          <a:prstGeom prst="rect">
+            <a:avLst/>
+          </a:prstGeom>
+          <a:noFill/>
+        </p:spPr>
+        <p:txBody>
+          <a:bodyPr wrap="square" rtlCol="0">
+            <a:spAutoFit/>
+          </a:bodyPr>
+          <a:lstStyle/>
+          <a:p>
+            <a:r>
+              <a:rPr lang="en-US" b="1" i="1" dirty="0">
+                <a:solidFill>
+                  <a:schemeClr val="accent2"/>
+                </a:solidFill>
+              </a:rPr>
+              <a:t>indentation</a:t>
+            </a:r>
+          </a:p>
+        </p:txBody>
+      </p:sp>
+      <p:cxnSp>
+        <p:nvCxnSpPr>
+          <p:cNvPr id="52" name="Straight Arrow Connector 51">
+            <a:extLst>
+              <a:ext uri="{FF2B5EF4-FFF2-40B4-BE49-F238E27FC236}">
+                <a16:creationId xmlns:a16="http://schemas.microsoft.com/office/drawing/2014/main" id="{6F5EA75C-7DD0-9F41-8D47-F68579573880}"/>
+              </a:ext>
+            </a:extLst>
+          </p:cNvPr>
+          <p:cNvCxnSpPr>
+            <a:cxnSpLocks/>
+          </p:cNvCxnSpPr>
+          <p:nvPr/>
+        </p:nvCxnSpPr>
+        <p:spPr>
+          <a:xfrm>
+            <a:off x="1765880" y="4253184"/>
+            <a:ext cx="618392" cy="1"/>
+          </a:xfrm>
+          <a:prstGeom prst="straightConnector1">
+            <a:avLst/>
+          </a:prstGeom>
+          <a:ln>
+            <a:solidFill>
+              <a:schemeClr val="accent2"/>
+            </a:solidFill>
+            <a:tailEnd type="triangle"/>
+          </a:ln>
+        </p:spPr>
+        <p:style>
+          <a:lnRef idx="1">
+            <a:schemeClr val="accent1"/>
+          </a:lnRef>
+          <a:fillRef idx="0">
+            <a:schemeClr val="accent1"/>
+          </a:fillRef>
+          <a:effectRef idx="0">
+            <a:schemeClr val="accent1"/>
+          </a:effectRef>
+          <a:fontRef idx="minor">
+            <a:schemeClr val="tx1"/>
+          </a:fontRef>
+        </p:style>
+      </p:cxnSp>
+      <p:sp>
+        <p:nvSpPr>
+          <p:cNvPr id="55" name="Rounded Rectangle">
+            <a:extLst>
+              <a:ext uri="{FF2B5EF4-FFF2-40B4-BE49-F238E27FC236}">
+                <a16:creationId xmlns:a16="http://schemas.microsoft.com/office/drawing/2014/main" id="{62B4D88B-A7F4-B349-AECD-01F63BF7972D}"/>
+              </a:ext>
+            </a:extLst>
+          </p:cNvPr>
+          <p:cNvSpPr/>
+          <p:nvPr/>
+        </p:nvSpPr>
+        <p:spPr>
+          <a:xfrm>
+            <a:off x="2935797" y="3865523"/>
+            <a:ext cx="815276" cy="314214"/>
+          </a:xfrm>
+          <a:prstGeom prst="roundRect">
+            <a:avLst>
+              <a:gd name="adj" fmla="val 33774"/>
+            </a:avLst>
+          </a:prstGeom>
+          <a:noFill/>
+          <a:ln w="38100" cap="flat">
+            <a:solidFill>
+              <a:schemeClr val="accent2"/>
+            </a:solidFill>
+            <a:prstDash val="solid"/>
+            <a:miter lim="400000"/>
+          </a:ln>
+          <a:effectLst>
+            <a:outerShdw blurRad="38100" dist="25400" dir="5400000" rotWithShape="0">
+              <a:srgbClr val="000000">
+                <a:alpha val="50000"/>
+              </a:srgbClr>
+            </a:outerShdw>
+          </a:effectLst>
+        </p:spPr>
+        <p:txBody>
+          <a:bodyPr wrap="square" lIns="35719" tIns="35719" rIns="35719" bIns="35719" numCol="1" anchor="ctr">
+            <a:noAutofit/>
+          </a:bodyPr>
+          <a:lstStyle/>
+          <a:p>
+            <a:pPr>
+              <a:defRPr sz="2400">
+                <a:solidFill>
+                  <a:srgbClr val="FFFFFF"/>
+                </a:solidFill>
+              </a:defRPr>
+            </a:pPr>
+            <a:endParaRPr sz="1687"/>
+          </a:p>
+        </p:txBody>
+      </p:sp>
+      <p:sp>
+        <p:nvSpPr>
+          <p:cNvPr id="56" name="TextBox 55">
+            <a:extLst>
+              <a:ext uri="{FF2B5EF4-FFF2-40B4-BE49-F238E27FC236}">
+                <a16:creationId xmlns:a16="http://schemas.microsoft.com/office/drawing/2014/main" id="{6C48412D-C9AC-5641-842D-E926DDE0C7B7}"/>
+              </a:ext>
+            </a:extLst>
+          </p:cNvPr>
+          <p:cNvSpPr txBox="1"/>
+          <p:nvPr/>
+        </p:nvSpPr>
+        <p:spPr>
+          <a:xfrm>
+            <a:off x="4298282" y="3810405"/>
+            <a:ext cx="1313748" cy="369332"/>
+          </a:xfrm>
+          <a:prstGeom prst="rect">
+            <a:avLst/>
+          </a:prstGeom>
+          <a:noFill/>
+        </p:spPr>
+        <p:txBody>
+          <a:bodyPr wrap="square" rtlCol="0">
+            <a:spAutoFit/>
+          </a:bodyPr>
+          <a:lstStyle/>
+          <a:p>
+            <a:r>
+              <a:rPr lang="en-US" b="1" i="1" dirty="0">
+                <a:solidFill>
+                  <a:schemeClr val="accent2"/>
+                </a:solidFill>
+              </a:rPr>
+              <a:t>conditional</a:t>
+            </a:r>
+          </a:p>
+        </p:txBody>
+      </p:sp>
+    </p:spTree>
+    <p:extLst>
+      <p:ext uri="{BB962C8B-B14F-4D97-AF65-F5344CB8AC3E}">
+        <p14:creationId xmlns:p14="http://schemas.microsoft.com/office/powerpoint/2010/main" val="3127710435"/>
+      </p:ext>
+    </p:extLst>
+  </p:cSld>
+  <p:clrMapOvr>
+    <a:masterClrMapping/>
+  </p:clrMapOvr>
+  <p:transition spd="med"/>
+  <p:timing>
+    <p:tnLst>
+      <p:par>
+        <p:cTn id="1" dur="indefinite" restart="never" fill="hold" nodeType="tmRoot">
+          <p:childTnLst>
+            <p:seq concurrent="1" prevAc="none" nextAc="seek">
+              <p:cTn id="2" dur="indefinite" fill="hold" nodeType="mainSeq">
+                <p:childTnLst>
+                  <p:par>
+                    <p:cTn id="3" fill="hold">
+                      <p:stCondLst>
+                        <p:cond delay="indefinite"/>
+                      </p:stCondLst>
+                      <p:childTnLst>
+                        <p:par>
+                          <p:cTn id="4" fill="hold">
+                            <p:stCondLst>
+                              <p:cond delay="0"/>
+                            </p:stCondLst>
+                            <p:childTnLst>
+                              <p:par>
+                                <p:cTn id="5" presetID="1" presetClass="entr" presetSubtype="0" fill="hold" grpId="0" nodeType="clickEffect">
+                                  <p:stCondLst>
+                                    <p:cond delay="0"/>
+                                  </p:stCondLst>
+                                  <p:iterate>
+                                    <p:tmAbs val="0"/>
+                                  </p:iterate>
+                                  <p:childTnLst>
+                                    <p:set>
+                                      <p:cBhvr>
+                                        <p:cTn id="6" fill="hold"/>
+                                        <p:tgtEl>
+                                          <p:spTgt spid="508"/>
+                                        </p:tgtEl>
+                                        <p:attrNameLst>
+                                          <p:attrName>style.visibility</p:attrName>
+                                        </p:attrNameLst>
+                                      </p:cBhvr>
+                                      <p:to>
+                                        <p:strVal val="visible"/>
+                                      </p:to>
+                                    </p:set>
+                                  </p:childTnLst>
+                                </p:cTn>
+                              </p:par>
+                            </p:childTnLst>
+                          </p:cTn>
+                        </p:par>
+                      </p:childTnLst>
+                    </p:cTn>
+                  </p:par>
+                </p:childTnLst>
+              </p:cTn>
+              <p:prevCondLst>
+                <p:cond evt="onPrev" delay="0">
+                  <p:tgtEl>
+                    <p:sldTgt/>
+                  </p:tgtEl>
+                </p:cond>
+              </p:prevCondLst>
+              <p:nextCondLst>
+                <p:cond evt="onNext" delay="0">
+                  <p:tgtEl>
+                    <p:sldTgt/>
+                  </p:tgtEl>
+                </p:cond>
+              </p:nextCondLst>
+            </p:seq>
+          </p:childTnLst>
+        </p:cTn>
+      </p:par>
+    </p:tnLst>
+    <p:bldLst>
+      <p:bldP spid="508" grpId="0" animBg="1" advAuto="0"/>
+    </p:bldLst>
+  </p:timing>
+</p:sld>
+</file>
+
+<file path=ppt/slides/slide8.xml><?xml version="1.0" encoding="utf-8"?>
 <p:sld xmlns:a="http://schemas.openxmlformats.org/drawingml/2006/main" xmlns:r="http://schemas.openxmlformats.org/officeDocument/2006/relationships" xmlns:p="http://schemas.openxmlformats.org/presentationml/2006/main">
   <p:cSld>
     <p:spTree>
@@ -9448,7 +12094,7 @@
 </p:sld>
 </file>
 
-<file path=ppt/slides/slide7.xml><?xml version="1.0" encoding="utf-8"?>
+<file path=ppt/slides/slide9.xml><?xml version="1.0" encoding="utf-8"?>
 <p:sld xmlns:a="http://schemas.openxmlformats.org/drawingml/2006/main" xmlns:r="http://schemas.openxmlformats.org/officeDocument/2006/relationships" xmlns:p="http://schemas.openxmlformats.org/presentationml/2006/main">
   <p:cSld>
     <p:spTree>
@@ -9540,7 +12186,7 @@
             </a:effectLst>
             <a:extLst>
               <a:ext uri="{C572A759-6A51-4108-AA02-DFA0A04FC94B}">
-                <ma14:wrappingTextBoxFlag xmlns:ma14="http://schemas.microsoft.com/office/mac/drawingml/2011/main" val="1"/>
+                <ma14:wrappingTextBoxFlag xmlns:ma14="http://schemas.microsoft.com/office/mac/drawingml/2011/main" xmlns="" val="1"/>
               </a:ext>
             </a:extLst>
           </p:spPr>
@@ -9633,9 +12279,7 @@
             <p:nvPr/>
           </p:nvPicPr>
           <p:blipFill>
-            <a:blip r:embed="rId3">
-              <a:extLst/>
-            </a:blip>
+            <a:blip r:embed="rId3"/>
             <a:stretch>
               <a:fillRect/>
             </a:stretch>
@@ -9667,114 +12311,6 @@
     <a:masterClrMapping/>
   </p:clrMapOvr>
   <p:transition spd="med"/>
-</p:sld>
-</file>
-
-<file path=ppt/slides/slide8.xml><?xml version="1.0" encoding="utf-8"?>
-<p:sld xmlns:a="http://schemas.openxmlformats.org/drawingml/2006/main" xmlns:r="http://schemas.openxmlformats.org/officeDocument/2006/relationships" xmlns:p="http://schemas.openxmlformats.org/presentationml/2006/main">
-  <p:cSld>
-    <p:spTree>
-      <p:nvGrpSpPr>
-        <p:cNvPr id="1" name=""/>
-        <p:cNvGrpSpPr/>
-        <p:nvPr/>
-      </p:nvGrpSpPr>
-      <p:grpSpPr>
-        <a:xfrm>
-          <a:off x="0" y="0"/>
-          <a:ext cx="0" cy="0"/>
-          <a:chOff x="0" y="0"/>
-          <a:chExt cx="0" cy="0"/>
-        </a:xfrm>
-      </p:grpSpPr>
-      <p:pic>
-        <p:nvPicPr>
-          <p:cNvPr id="2" name="Picture 1"/>
-          <p:cNvPicPr>
-            <a:picLocks noChangeAspect="1"/>
-          </p:cNvPicPr>
-          <p:nvPr/>
-        </p:nvPicPr>
-        <p:blipFill>
-          <a:blip r:embed="rId2"/>
-          <a:stretch>
-            <a:fillRect/>
-          </a:stretch>
-        </p:blipFill>
-        <p:spPr>
-          <a:xfrm>
-            <a:off x="2038350" y="685800"/>
-            <a:ext cx="8115300" cy="5486400"/>
-          </a:xfrm>
-          <a:prstGeom prst="rect">
-            <a:avLst/>
-          </a:prstGeom>
-        </p:spPr>
-      </p:pic>
-    </p:spTree>
-    <p:extLst>
-      <p:ext uri="{BB962C8B-B14F-4D97-AF65-F5344CB8AC3E}">
-        <p14:creationId xmlns:p14="http://schemas.microsoft.com/office/powerpoint/2010/main" val="2122879076"/>
-      </p:ext>
-    </p:extLst>
-  </p:cSld>
-  <p:clrMapOvr>
-    <a:masterClrMapping/>
-  </p:clrMapOvr>
-</p:sld>
-</file>
-
-<file path=ppt/slides/slide9.xml><?xml version="1.0" encoding="utf-8"?>
-<p:sld xmlns:a="http://schemas.openxmlformats.org/drawingml/2006/main" xmlns:r="http://schemas.openxmlformats.org/officeDocument/2006/relationships" xmlns:p="http://schemas.openxmlformats.org/presentationml/2006/main">
-  <p:cSld>
-    <p:spTree>
-      <p:nvGrpSpPr>
-        <p:cNvPr id="1" name=""/>
-        <p:cNvGrpSpPr/>
-        <p:nvPr/>
-      </p:nvGrpSpPr>
-      <p:grpSpPr>
-        <a:xfrm>
-          <a:off x="0" y="0"/>
-          <a:ext cx="0" cy="0"/>
-          <a:chOff x="0" y="0"/>
-          <a:chExt cx="0" cy="0"/>
-        </a:xfrm>
-      </p:grpSpPr>
-      <p:pic>
-        <p:nvPicPr>
-          <p:cNvPr id="5" name="Picture 4"/>
-          <p:cNvPicPr>
-            <a:picLocks noChangeAspect="1"/>
-          </p:cNvPicPr>
-          <p:nvPr/>
-        </p:nvPicPr>
-        <p:blipFill>
-          <a:blip r:embed="rId2"/>
-          <a:stretch>
-            <a:fillRect/>
-          </a:stretch>
-        </p:blipFill>
-        <p:spPr>
-          <a:xfrm>
-            <a:off x="2292350" y="774700"/>
-            <a:ext cx="7607300" cy="5308600"/>
-          </a:xfrm>
-          <a:prstGeom prst="rect">
-            <a:avLst/>
-          </a:prstGeom>
-        </p:spPr>
-      </p:pic>
-    </p:spTree>
-    <p:extLst>
-      <p:ext uri="{BB962C8B-B14F-4D97-AF65-F5344CB8AC3E}">
-        <p14:creationId xmlns:p14="http://schemas.microsoft.com/office/powerpoint/2010/main" val="1945090295"/>
-      </p:ext>
-    </p:extLst>
-  </p:cSld>
-  <p:clrMapOvr>
-    <a:masterClrMapping/>
-  </p:clrMapOvr>
 </p:sld>
 </file>
 
